--- a/web/doc/xesoft-guida-al-gioco.pptx
+++ b/web/doc/xesoft-guida-al-gioco.pptx
@@ -6,18 +6,20 @@
     <p:sldMasterId id="2147483650" r:id="rId2"/>
   </p:sldMasterIdLst>
   <p:notesMasterIdLst>
-    <p:notesMasterId r:id="rId9"/>
+    <p:notesMasterId r:id="rId11"/>
   </p:notesMasterIdLst>
   <p:handoutMasterIdLst>
-    <p:handoutMasterId r:id="rId10"/>
+    <p:handoutMasterId r:id="rId12"/>
   </p:handoutMasterIdLst>
   <p:sldIdLst>
     <p:sldId id="256" r:id="rId3"/>
     <p:sldId id="257" r:id="rId4"/>
-    <p:sldId id="260" r:id="rId5"/>
-    <p:sldId id="270" r:id="rId6"/>
-    <p:sldId id="272" r:id="rId7"/>
-    <p:sldId id="271" r:id="rId8"/>
+    <p:sldId id="274" r:id="rId5"/>
+    <p:sldId id="260" r:id="rId6"/>
+    <p:sldId id="270" r:id="rId7"/>
+    <p:sldId id="272" r:id="rId8"/>
+    <p:sldId id="271" r:id="rId9"/>
+    <p:sldId id="273" r:id="rId10"/>
   </p:sldIdLst>
   <p:sldSz cx="9144000" cy="6858000" type="screen4x3"/>
   <p:notesSz cx="6858000" cy="9144000"/>
@@ -822,6 +824,95 @@
       </p:grpSpPr>
       <p:sp>
         <p:nvSpPr>
+          <p:cNvPr id="7" name="Rectangle 7"/>
+          <p:cNvSpPr>
+            <a:spLocks noGrp="1" noChangeArrowheads="1"/>
+          </p:cNvSpPr>
+          <p:nvPr>
+            <p:ph type="sldNum" sz="quarter" idx="5"/>
+          </p:nvPr>
+        </p:nvSpPr>
+        <p:spPr>
+          <a:ln/>
+        </p:spPr>
+        <p:txBody>
+          <a:bodyPr/>
+          <a:lstStyle/>
+          <a:p>
+            <a:fld id="{C2653A79-A931-445B-A2A8-1DF84A6337F2}" type="slidenum">
+              <a:rPr lang="en-US"/>
+              <a:pPr/>
+              <a:t>3</a:t>
+            </a:fld>
+            <a:endParaRPr lang="en-US"/>
+          </a:p>
+        </p:txBody>
+      </p:sp>
+      <p:sp>
+        <p:nvSpPr>
+          <p:cNvPr id="357378" name="Rectangle 2"/>
+          <p:cNvSpPr>
+            <a:spLocks noGrp="1" noRot="1" noChangeAspect="1" noChangeArrowheads="1" noTextEdit="1"/>
+          </p:cNvSpPr>
+          <p:nvPr>
+            <p:ph type="sldImg"/>
+          </p:nvPr>
+        </p:nvSpPr>
+        <p:spPr>
+          <a:ln/>
+        </p:spPr>
+      </p:sp>
+      <p:sp>
+        <p:nvSpPr>
+          <p:cNvPr id="357379" name="Rectangle 3"/>
+          <p:cNvSpPr>
+            <a:spLocks noGrp="1" noChangeArrowheads="1"/>
+          </p:cNvSpPr>
+          <p:nvPr>
+            <p:ph type="body" idx="1"/>
+          </p:nvPr>
+        </p:nvSpPr>
+        <p:spPr/>
+        <p:txBody>
+          <a:bodyPr/>
+          <a:lstStyle/>
+          <a:p>
+            <a:endParaRPr lang="en-US"/>
+          </a:p>
+        </p:txBody>
+      </p:sp>
+    </p:spTree>
+    <p:extLst>
+      <p:ext uri="{BB962C8B-B14F-4D97-AF65-F5344CB8AC3E}">
+        <p14:creationId xmlns:p14="http://schemas.microsoft.com/office/powerpoint/2010/main" val="3480747124"/>
+      </p:ext>
+    </p:extLst>
+  </p:cSld>
+  <p:clrMapOvr>
+    <a:masterClrMapping/>
+  </p:clrMapOvr>
+</p:notes>
+</file>
+
+<file path=ppt/notesSlides/notesSlide4.xml><?xml version="1.0" encoding="utf-8"?>
+<p:notes xmlns:a="http://schemas.openxmlformats.org/drawingml/2006/main" xmlns:r="http://schemas.openxmlformats.org/officeDocument/2006/relationships" xmlns:p="http://schemas.openxmlformats.org/presentationml/2006/main">
+  <p:cSld>
+    <p:spTree>
+      <p:nvGrpSpPr>
+        <p:cNvPr id="1" name=""/>
+        <p:cNvGrpSpPr/>
+        <p:nvPr/>
+      </p:nvGrpSpPr>
+      <p:grpSpPr>
+        <a:xfrm>
+          <a:off x="0" y="0"/>
+          <a:ext cx="0" cy="0"/>
+          <a:chOff x="0" y="0"/>
+          <a:chExt cx="0" cy="0"/>
+        </a:xfrm>
+      </p:grpSpPr>
+      <p:sp>
+        <p:nvSpPr>
           <p:cNvPr id="2" name="Segnaposto immagine diapositiva 1"/>
           <p:cNvSpPr>
             <a:spLocks noGrp="1" noRot="1" noChangeAspect="1"/>
@@ -869,7 +960,7 @@
             <a:fld id="{F2D3C20B-6824-42BE-B737-014E24D0DBEC}" type="slidenum">
               <a:rPr lang="en-US" smtClean="0"/>
               <a:pPr/>
-              <a:t>3</a:t>
+              <a:t>4</a:t>
             </a:fld>
             <a:endParaRPr lang="en-US"/>
           </a:p>
@@ -6655,7 +6746,7 @@
               </a:lnSpc>
             </a:pPr>
             <a:r>
-              <a:rPr lang="it-IT" sz="4600" kern="0">
+              <a:rPr lang="it-IT" sz="4600" kern="0" dirty="0">
                 <a:solidFill>
                   <a:schemeClr val="bg1"/>
                 </a:solidFill>
@@ -7060,7 +7151,7 @@
                   <a:schemeClr val="bg1"/>
                 </a:solidFill>
               </a:rPr>
-              <a:t> Registrazione e Login	 </a:t>
+              <a:t> Registrazione</a:t>
             </a:r>
             <a:endParaRPr lang="en-GB" sz="4000" b="1" dirty="0">
               <a:solidFill>
@@ -7192,7 +7283,7 @@
                   <a:schemeClr val="bg1"/>
                 </a:solidFill>
               </a:rPr>
-              <a:t>, se </a:t>
+              <a:t> </a:t>
             </a:r>
             <a:r>
               <a:rPr lang="en-US" sz="1600" dirty="0" err="1">
@@ -7200,6 +7291,86 @@
                   <a:schemeClr val="bg1"/>
                 </a:solidFill>
               </a:rPr>
+              <a:t>registrarsi</a:t>
+            </a:r>
+            <a:r>
+              <a:rPr lang="en-US" sz="1600" dirty="0">
+                <a:solidFill>
+                  <a:schemeClr val="bg1"/>
+                </a:solidFill>
+              </a:rPr>
+              <a:t> al </a:t>
+            </a:r>
+            <a:r>
+              <a:rPr lang="en-US" sz="1600" dirty="0" err="1">
+                <a:solidFill>
+                  <a:schemeClr val="bg1"/>
+                </a:solidFill>
+              </a:rPr>
+              <a:t>gioco</a:t>
+            </a:r>
+            <a:r>
+              <a:rPr lang="en-US" sz="1600" dirty="0">
+                <a:solidFill>
+                  <a:schemeClr val="bg1"/>
+                </a:solidFill>
+              </a:rPr>
+              <a:t> </a:t>
+            </a:r>
+            <a:r>
+              <a:rPr lang="en-US" sz="1600" dirty="0" err="1">
+                <a:solidFill>
+                  <a:schemeClr val="bg1"/>
+                </a:solidFill>
+              </a:rPr>
+              <a:t>oppure</a:t>
+            </a:r>
+            <a:r>
+              <a:rPr lang="en-US" sz="1600" dirty="0">
+                <a:solidFill>
+                  <a:schemeClr val="bg1"/>
+                </a:solidFill>
+              </a:rPr>
+              <a:t>, </a:t>
+            </a:r>
+            <a:r>
+              <a:rPr lang="en-US" sz="1600" dirty="0" err="1">
+                <a:solidFill>
+                  <a:schemeClr val="bg1"/>
+                </a:solidFill>
+              </a:rPr>
+              <a:t>nel</a:t>
+            </a:r>
+            <a:r>
+              <a:rPr lang="en-US" sz="1600" dirty="0">
+                <a:solidFill>
+                  <a:schemeClr val="bg1"/>
+                </a:solidFill>
+              </a:rPr>
+              <a:t> </a:t>
+            </a:r>
+            <a:r>
+              <a:rPr lang="en-US" sz="1600" dirty="0" err="1">
+                <a:solidFill>
+                  <a:schemeClr val="bg1"/>
+                </a:solidFill>
+              </a:rPr>
+              <a:t>caso</a:t>
+            </a:r>
+            <a:r>
+              <a:rPr lang="en-US" sz="1600" dirty="0">
+                <a:solidFill>
+                  <a:schemeClr val="bg1"/>
+                </a:solidFill>
+              </a:rPr>
+              <a:t> fosse </a:t>
+            </a:r>
+            <a:r>
+              <a:rPr lang="en-US" sz="1600" dirty="0" err="1">
+                <a:solidFill>
+                  <a:schemeClr val="bg1"/>
+                </a:solidFill>
+              </a:rPr>
               <a:t>già</a:t>
             </a:r>
             <a:r>
@@ -7232,7 +7403,7 @@
                   <a:schemeClr val="bg1"/>
                 </a:solidFill>
               </a:rPr>
-              <a:t>eseguire</a:t>
+              <a:t>accedevi</a:t>
             </a:r>
             <a:r>
               <a:rPr lang="en-US" sz="1600" dirty="0">
@@ -7240,7 +7411,7 @@
                   <a:schemeClr val="bg1"/>
                 </a:solidFill>
               </a:rPr>
-              <a:t> la Login per </a:t>
+              <a:t> </a:t>
             </a:r>
             <a:r>
               <a:rPr lang="en-US" sz="1600" dirty="0" err="1">
@@ -7248,151 +7419,7 @@
                   <a:schemeClr val="bg1"/>
                 </a:solidFill>
               </a:rPr>
-              <a:t>accedere</a:t>
-            </a:r>
-            <a:r>
-              <a:rPr lang="en-US" sz="1600" dirty="0">
-                <a:solidFill>
-                  <a:schemeClr val="bg1"/>
-                </a:solidFill>
-              </a:rPr>
-              <a:t> </a:t>
-            </a:r>
-            <a:r>
-              <a:rPr lang="en-US" sz="1600" dirty="0" err="1">
-                <a:solidFill>
-                  <a:schemeClr val="bg1"/>
-                </a:solidFill>
-              </a:rPr>
-              <a:t>alla</a:t>
-            </a:r>
-            <a:r>
-              <a:rPr lang="en-US" sz="1600" dirty="0">
-                <a:solidFill>
-                  <a:schemeClr val="bg1"/>
-                </a:solidFill>
-              </a:rPr>
-              <a:t> </a:t>
-            </a:r>
-            <a:r>
-              <a:rPr lang="en-US" sz="1600" dirty="0" err="1">
-                <a:solidFill>
-                  <a:schemeClr val="bg1"/>
-                </a:solidFill>
-              </a:rPr>
-              <a:t>sua</a:t>
-            </a:r>
-            <a:r>
-              <a:rPr lang="en-US" sz="1600" dirty="0">
-                <a:solidFill>
-                  <a:schemeClr val="bg1"/>
-                </a:solidFill>
-              </a:rPr>
-              <a:t> </a:t>
-            </a:r>
-            <a:r>
-              <a:rPr lang="en-US" sz="1600" dirty="0" err="1">
-                <a:solidFill>
-                  <a:schemeClr val="bg1"/>
-                </a:solidFill>
-              </a:rPr>
-              <a:t>pagina</a:t>
-            </a:r>
-            <a:r>
-              <a:rPr lang="en-US" sz="1600" dirty="0">
-                <a:solidFill>
-                  <a:schemeClr val="bg1"/>
-                </a:solidFill>
-              </a:rPr>
-              <a:t> </a:t>
-            </a:r>
-            <a:r>
-              <a:rPr lang="en-US" sz="1600" dirty="0" err="1">
-                <a:solidFill>
-                  <a:schemeClr val="bg1"/>
-                </a:solidFill>
-              </a:rPr>
-              <a:t>personale</a:t>
-            </a:r>
-            <a:r>
-              <a:rPr lang="en-US" sz="1600" dirty="0">
-                <a:solidFill>
-                  <a:schemeClr val="bg1"/>
-                </a:solidFill>
-              </a:rPr>
-              <a:t>, </a:t>
-            </a:r>
-            <a:r>
-              <a:rPr lang="en-US" sz="1600" dirty="0" err="1">
-                <a:solidFill>
-                  <a:schemeClr val="bg1"/>
-                </a:solidFill>
-              </a:rPr>
-              <a:t>oppure</a:t>
-            </a:r>
-            <a:r>
-              <a:rPr lang="en-US" sz="1600" dirty="0">
-                <a:solidFill>
-                  <a:schemeClr val="bg1"/>
-                </a:solidFill>
-              </a:rPr>
-              <a:t>, se </a:t>
-            </a:r>
-            <a:r>
-              <a:rPr lang="en-US" sz="1600" dirty="0" err="1">
-                <a:solidFill>
-                  <a:schemeClr val="bg1"/>
-                </a:solidFill>
-              </a:rPr>
-              <a:t>ancora</a:t>
-            </a:r>
-            <a:r>
-              <a:rPr lang="en-US" sz="1600" dirty="0">
-                <a:solidFill>
-                  <a:schemeClr val="bg1"/>
-                </a:solidFill>
-              </a:rPr>
-              <a:t> non lo ha </a:t>
-            </a:r>
-            <a:r>
-              <a:rPr lang="en-US" sz="1600" dirty="0" err="1">
-                <a:solidFill>
-                  <a:schemeClr val="bg1"/>
-                </a:solidFill>
-              </a:rPr>
-              <a:t>fatto</a:t>
-            </a:r>
-            <a:r>
-              <a:rPr lang="en-US" sz="1600" dirty="0">
-                <a:solidFill>
-                  <a:schemeClr val="bg1"/>
-                </a:solidFill>
-              </a:rPr>
-              <a:t>, </a:t>
-            </a:r>
-            <a:r>
-              <a:rPr lang="en-US" sz="1600" dirty="0" err="1">
-                <a:solidFill>
-                  <a:schemeClr val="bg1"/>
-                </a:solidFill>
-              </a:rPr>
-              <a:t>potrà</a:t>
-            </a:r>
-            <a:r>
-              <a:rPr lang="en-US" sz="1600" dirty="0">
-                <a:solidFill>
-                  <a:schemeClr val="bg1"/>
-                </a:solidFill>
-              </a:rPr>
-              <a:t> </a:t>
-            </a:r>
-            <a:r>
-              <a:rPr lang="en-US" sz="1600" dirty="0" err="1">
-                <a:solidFill>
-                  <a:schemeClr val="bg1"/>
-                </a:solidFill>
-              </a:rPr>
-              <a:t>registrarsi</a:t>
+              <a:t>direttamente</a:t>
             </a:r>
             <a:r>
               <a:rPr lang="en-US" sz="1600" dirty="0">
@@ -7424,170 +7451,7 @@
             </a:endParaRPr>
           </a:p>
           <a:p>
-            <a:pPr>
-              <a:buFont typeface="Wingdings" panose="05000000000000000000" pitchFamily="2" charset="2"/>
-              <a:buChar char="q"/>
-            </a:pPr>
-            <a:r>
-              <a:rPr lang="en-US" sz="1900" b="1" dirty="0" err="1">
-                <a:solidFill>
-                  <a:schemeClr val="bg1"/>
-                </a:solidFill>
-              </a:rPr>
-              <a:t>Accedi</a:t>
-            </a:r>
-            <a:r>
-              <a:rPr lang="en-US" sz="1900" b="1" dirty="0">
-                <a:solidFill>
-                  <a:schemeClr val="bg1"/>
-                </a:solidFill>
-              </a:rPr>
-              <a:t>: </a:t>
-            </a:r>
-            <a:r>
-              <a:rPr lang="en-US" sz="1600" dirty="0" err="1">
-                <a:solidFill>
-                  <a:schemeClr val="bg1"/>
-                </a:solidFill>
-              </a:rPr>
-              <a:t>l’utente</a:t>
-            </a:r>
-            <a:r>
-              <a:rPr lang="en-US" sz="1600" dirty="0">
-                <a:solidFill>
-                  <a:schemeClr val="bg1"/>
-                </a:solidFill>
-              </a:rPr>
-              <a:t> </a:t>
-            </a:r>
-            <a:r>
-              <a:rPr lang="en-US" sz="1600" dirty="0" err="1">
-                <a:solidFill>
-                  <a:schemeClr val="bg1"/>
-                </a:solidFill>
-              </a:rPr>
-              <a:t>potrà</a:t>
-            </a:r>
-            <a:r>
-              <a:rPr lang="en-US" sz="1600" dirty="0">
-                <a:solidFill>
-                  <a:schemeClr val="bg1"/>
-                </a:solidFill>
-              </a:rPr>
-              <a:t> </a:t>
-            </a:r>
-            <a:r>
-              <a:rPr lang="en-US" sz="1600" dirty="0" err="1">
-                <a:solidFill>
-                  <a:schemeClr val="bg1"/>
-                </a:solidFill>
-              </a:rPr>
-              <a:t>accedere</a:t>
-            </a:r>
-            <a:r>
-              <a:rPr lang="en-US" sz="1600" dirty="0">
-                <a:solidFill>
-                  <a:schemeClr val="bg1"/>
-                </a:solidFill>
-              </a:rPr>
-              <a:t> al </a:t>
-            </a:r>
-            <a:r>
-              <a:rPr lang="en-US" sz="1600" dirty="0" err="1">
-                <a:solidFill>
-                  <a:schemeClr val="bg1"/>
-                </a:solidFill>
-              </a:rPr>
-              <a:t>gioco</a:t>
-            </a:r>
-            <a:r>
-              <a:rPr lang="en-US" sz="1600" dirty="0">
-                <a:solidFill>
-                  <a:schemeClr val="bg1"/>
-                </a:solidFill>
-              </a:rPr>
-              <a:t> </a:t>
-            </a:r>
-            <a:r>
-              <a:rPr lang="en-US" sz="1600" dirty="0" err="1">
-                <a:solidFill>
-                  <a:schemeClr val="bg1"/>
-                </a:solidFill>
-              </a:rPr>
-              <a:t>inserendo</a:t>
-            </a:r>
-            <a:r>
-              <a:rPr lang="en-US" sz="1600" dirty="0">
-                <a:solidFill>
-                  <a:schemeClr val="bg1"/>
-                </a:solidFill>
-              </a:rPr>
-              <a:t> la </a:t>
-            </a:r>
-          </a:p>
-          <a:p>
-            <a:pPr marL="0" indent="0">
-              <a:buNone/>
-            </a:pPr>
-            <a:r>
-              <a:rPr lang="en-US" sz="1600" dirty="0">
-                <a:solidFill>
-                  <a:schemeClr val="bg1"/>
-                </a:solidFill>
-              </a:rPr>
-              <a:t>     mail e la Password </a:t>
-            </a:r>
-            <a:r>
-              <a:rPr lang="en-US" sz="1600" dirty="0" err="1">
-                <a:solidFill>
-                  <a:schemeClr val="bg1"/>
-                </a:solidFill>
-              </a:rPr>
-              <a:t>scelte</a:t>
-            </a:r>
-            <a:r>
-              <a:rPr lang="en-US" sz="1600" dirty="0">
-                <a:solidFill>
-                  <a:schemeClr val="bg1"/>
-                </a:solidFill>
-              </a:rPr>
-              <a:t> in </a:t>
-            </a:r>
-            <a:r>
-              <a:rPr lang="en-US" sz="1600" dirty="0" err="1">
-                <a:solidFill>
-                  <a:schemeClr val="bg1"/>
-                </a:solidFill>
-              </a:rPr>
-              <a:t>fase</a:t>
-            </a:r>
-            <a:r>
-              <a:rPr lang="en-US" sz="1600" dirty="0">
-                <a:solidFill>
-                  <a:schemeClr val="bg1"/>
-                </a:solidFill>
-              </a:rPr>
-              <a:t> di </a:t>
-            </a:r>
-            <a:r>
-              <a:rPr lang="en-US" sz="1600" dirty="0" err="1">
-                <a:solidFill>
-                  <a:schemeClr val="bg1"/>
-                </a:solidFill>
-              </a:rPr>
-              <a:t>Registrazione</a:t>
-            </a:r>
-            <a:r>
-              <a:rPr lang="en-US" sz="1600" dirty="0">
-                <a:solidFill>
-                  <a:schemeClr val="bg1"/>
-                </a:solidFill>
-              </a:rPr>
-              <a:t>. </a:t>
-            </a:r>
-          </a:p>
-          <a:p>
-            <a:pPr marL="0" indent="0">
+            <a:pPr marL="2743200" lvl="6" indent="0">
               <a:buNone/>
             </a:pPr>
             <a:endParaRPr lang="en-US" sz="1600" dirty="0">
@@ -7596,411 +7460,21 @@
               </a:solidFill>
             </a:endParaRPr>
           </a:p>
-          <a:p>
-            <a:pPr marL="0" indent="0">
-              <a:buNone/>
-            </a:pPr>
-            <a:endParaRPr lang="en-US" sz="1600" dirty="0">
-              <a:solidFill>
-                <a:schemeClr val="bg1"/>
-              </a:solidFill>
-            </a:endParaRPr>
-          </a:p>
-          <a:p>
-            <a:pPr marL="0" indent="0">
-              <a:buNone/>
-            </a:pPr>
-            <a:endParaRPr lang="en-US" sz="1600" dirty="0">
-              <a:solidFill>
-                <a:schemeClr val="bg1"/>
-              </a:solidFill>
-            </a:endParaRPr>
-          </a:p>
-          <a:p>
-            <a:pPr marL="0" indent="0">
-              <a:buNone/>
-            </a:pPr>
-            <a:endParaRPr lang="en-US" sz="1600" dirty="0">
-              <a:solidFill>
-                <a:schemeClr val="bg1"/>
-              </a:solidFill>
-            </a:endParaRPr>
-          </a:p>
-          <a:p>
-            <a:pPr marL="0" indent="0">
-              <a:buNone/>
-            </a:pPr>
-            <a:endParaRPr lang="en-US" sz="1600" dirty="0">
-              <a:solidFill>
-                <a:schemeClr val="bg1"/>
-              </a:solidFill>
-            </a:endParaRPr>
-          </a:p>
-          <a:p>
-            <a:pPr marL="0" indent="0">
-              <a:buNone/>
-            </a:pPr>
-            <a:endParaRPr lang="en-US" sz="1600" dirty="0">
-              <a:solidFill>
-                <a:schemeClr val="bg1"/>
-              </a:solidFill>
-            </a:endParaRPr>
-          </a:p>
-          <a:p>
-            <a:pPr lvl="6">
-              <a:buFont typeface="Wingdings" panose="05000000000000000000" pitchFamily="2" charset="2"/>
-              <a:buChar char="q"/>
-            </a:pPr>
-            <a:r>
-              <a:rPr lang="en-US" sz="1600" dirty="0">
-                <a:solidFill>
-                  <a:schemeClr val="bg1"/>
-                </a:solidFill>
-              </a:rPr>
-              <a:t>  </a:t>
-            </a:r>
-            <a:r>
-              <a:rPr lang="en-US" sz="1900" b="1" dirty="0" err="1">
-                <a:solidFill>
-                  <a:schemeClr val="bg1"/>
-                </a:solidFill>
-              </a:rPr>
-              <a:t>Registrati</a:t>
-            </a:r>
-            <a:r>
-              <a:rPr lang="en-US" sz="1900" b="1" dirty="0">
-                <a:solidFill>
-                  <a:schemeClr val="bg1"/>
-                </a:solidFill>
-              </a:rPr>
-              <a:t>: </a:t>
-            </a:r>
-            <a:r>
-              <a:rPr lang="en-US" sz="1600" dirty="0" err="1">
-                <a:solidFill>
-                  <a:schemeClr val="bg1"/>
-                </a:solidFill>
-              </a:rPr>
-              <a:t>l’utente</a:t>
-            </a:r>
-            <a:r>
-              <a:rPr lang="en-US" sz="1600" dirty="0">
-                <a:solidFill>
-                  <a:schemeClr val="bg1"/>
-                </a:solidFill>
-              </a:rPr>
-              <a:t> non </a:t>
-            </a:r>
-            <a:r>
-              <a:rPr lang="en-US" sz="1600" dirty="0" err="1">
-                <a:solidFill>
-                  <a:schemeClr val="bg1"/>
-                </a:solidFill>
-              </a:rPr>
-              <a:t>ancora</a:t>
-            </a:r>
-            <a:r>
-              <a:rPr lang="en-US" sz="1600" dirty="0">
-                <a:solidFill>
-                  <a:schemeClr val="bg1"/>
-                </a:solidFill>
-              </a:rPr>
-              <a:t> </a:t>
-            </a:r>
-            <a:r>
-              <a:rPr lang="en-US" sz="1600" dirty="0" err="1">
-                <a:solidFill>
-                  <a:schemeClr val="bg1"/>
-                </a:solidFill>
-              </a:rPr>
-              <a:t>registrato</a:t>
-            </a:r>
-            <a:r>
-              <a:rPr lang="en-US" sz="1600" dirty="0">
-                <a:solidFill>
-                  <a:schemeClr val="bg1"/>
-                </a:solidFill>
-              </a:rPr>
-              <a:t> </a:t>
-            </a:r>
-            <a:r>
-              <a:rPr lang="en-US" sz="1600" dirty="0" err="1">
-                <a:solidFill>
-                  <a:schemeClr val="bg1"/>
-                </a:solidFill>
-              </a:rPr>
-              <a:t>potrà</a:t>
-            </a:r>
-            <a:r>
-              <a:rPr lang="en-US" sz="1600" dirty="0">
-                <a:solidFill>
-                  <a:schemeClr val="bg1"/>
-                </a:solidFill>
-              </a:rPr>
-              <a:t>   </a:t>
-            </a:r>
-          </a:p>
-          <a:p>
-            <a:pPr marL="2743200" lvl="6" indent="0">
-              <a:buNone/>
-            </a:pPr>
-            <a:r>
-              <a:rPr lang="en-US" sz="1600" dirty="0">
-                <a:solidFill>
-                  <a:schemeClr val="bg1"/>
-                </a:solidFill>
-              </a:rPr>
-              <a:t>      </a:t>
-            </a:r>
-            <a:r>
-              <a:rPr lang="en-US" sz="1600" dirty="0" err="1">
-                <a:solidFill>
-                  <a:schemeClr val="bg1"/>
-                </a:solidFill>
-              </a:rPr>
-              <a:t>effettuare</a:t>
-            </a:r>
-            <a:r>
-              <a:rPr lang="en-US" sz="1600" dirty="0">
-                <a:solidFill>
-                  <a:schemeClr val="bg1"/>
-                </a:solidFill>
-              </a:rPr>
-              <a:t> la </a:t>
-            </a:r>
-            <a:r>
-              <a:rPr lang="en-US" sz="1600" dirty="0" err="1">
-                <a:solidFill>
-                  <a:schemeClr val="bg1"/>
-                </a:solidFill>
-              </a:rPr>
-              <a:t>registrazione</a:t>
-            </a:r>
-            <a:r>
-              <a:rPr lang="en-US" sz="1600" dirty="0">
-                <a:solidFill>
-                  <a:schemeClr val="bg1"/>
-                </a:solidFill>
-              </a:rPr>
-              <a:t> </a:t>
-            </a:r>
-            <a:r>
-              <a:rPr lang="en-US" sz="1600" dirty="0" err="1">
-                <a:solidFill>
-                  <a:schemeClr val="bg1"/>
-                </a:solidFill>
-              </a:rPr>
-              <a:t>inserendo</a:t>
-            </a:r>
-            <a:r>
-              <a:rPr lang="en-US" sz="1600" dirty="0">
-                <a:solidFill>
-                  <a:schemeClr val="bg1"/>
-                </a:solidFill>
-              </a:rPr>
-              <a:t> il Nickname  </a:t>
-            </a:r>
-          </a:p>
-          <a:p>
-            <a:pPr marL="2743200" lvl="6" indent="0">
-              <a:buNone/>
-            </a:pPr>
-            <a:r>
-              <a:rPr lang="en-US" sz="1600" dirty="0">
-                <a:solidFill>
-                  <a:schemeClr val="bg1"/>
-                </a:solidFill>
-              </a:rPr>
-              <a:t>      (</a:t>
-            </a:r>
-            <a:r>
-              <a:rPr lang="en-US" sz="1600" dirty="0" err="1">
-                <a:solidFill>
-                  <a:schemeClr val="bg1"/>
-                </a:solidFill>
-              </a:rPr>
-              <a:t>che</a:t>
-            </a:r>
-            <a:r>
-              <a:rPr lang="en-US" sz="1600" dirty="0">
-                <a:solidFill>
-                  <a:schemeClr val="bg1"/>
-                </a:solidFill>
-              </a:rPr>
-              <a:t> </a:t>
-            </a:r>
-            <a:r>
-              <a:rPr lang="en-US" sz="1600" dirty="0" err="1">
-                <a:solidFill>
-                  <a:schemeClr val="bg1"/>
-                </a:solidFill>
-              </a:rPr>
-              <a:t>sarà</a:t>
-            </a:r>
-            <a:r>
-              <a:rPr lang="en-US" sz="1600" dirty="0">
-                <a:solidFill>
-                  <a:schemeClr val="bg1"/>
-                </a:solidFill>
-              </a:rPr>
-              <a:t> il </a:t>
-            </a:r>
-            <a:r>
-              <a:rPr lang="en-US" sz="1600" dirty="0" err="1">
-                <a:solidFill>
-                  <a:schemeClr val="bg1"/>
-                </a:solidFill>
-              </a:rPr>
-              <a:t>suo</a:t>
-            </a:r>
-            <a:r>
-              <a:rPr lang="en-US" sz="1600" dirty="0">
-                <a:solidFill>
-                  <a:schemeClr val="bg1"/>
-                </a:solidFill>
-              </a:rPr>
-              <a:t> </a:t>
-            </a:r>
-            <a:r>
-              <a:rPr lang="en-US" sz="1600" dirty="0" err="1">
-                <a:solidFill>
-                  <a:schemeClr val="bg1"/>
-                </a:solidFill>
-              </a:rPr>
-              <a:t>nome</a:t>
-            </a:r>
-            <a:r>
-              <a:rPr lang="en-US" sz="1600" dirty="0">
-                <a:solidFill>
-                  <a:schemeClr val="bg1"/>
-                </a:solidFill>
-              </a:rPr>
-              <a:t> </a:t>
-            </a:r>
-            <a:r>
-              <a:rPr lang="en-US" sz="1600" dirty="0" err="1">
-                <a:solidFill>
-                  <a:schemeClr val="bg1"/>
-                </a:solidFill>
-              </a:rPr>
-              <a:t>identificativo</a:t>
-            </a:r>
-            <a:r>
-              <a:rPr lang="en-US" sz="1600" dirty="0">
-                <a:solidFill>
-                  <a:schemeClr val="bg1"/>
-                </a:solidFill>
-              </a:rPr>
-              <a:t> </a:t>
-            </a:r>
-            <a:r>
-              <a:rPr lang="en-US" sz="1600" dirty="0" err="1">
-                <a:solidFill>
-                  <a:schemeClr val="bg1"/>
-                </a:solidFill>
-              </a:rPr>
-              <a:t>derante</a:t>
-            </a:r>
-            <a:r>
-              <a:rPr lang="en-US" sz="1600" dirty="0">
-                <a:solidFill>
-                  <a:schemeClr val="bg1"/>
-                </a:solidFill>
-              </a:rPr>
-              <a:t> le partite,  </a:t>
-            </a:r>
-          </a:p>
-          <a:p>
-            <a:pPr marL="2743200" lvl="6" indent="0">
-              <a:buNone/>
-            </a:pPr>
-            <a:r>
-              <a:rPr lang="en-US" sz="1600" dirty="0">
-                <a:solidFill>
-                  <a:schemeClr val="bg1"/>
-                </a:solidFill>
-              </a:rPr>
-              <a:t>      </a:t>
-            </a:r>
-            <a:r>
-              <a:rPr lang="en-US" sz="1600" dirty="0" err="1">
-                <a:solidFill>
-                  <a:schemeClr val="bg1"/>
-                </a:solidFill>
-              </a:rPr>
-              <a:t>nelle</a:t>
-            </a:r>
-            <a:r>
-              <a:rPr lang="en-US" sz="1600" dirty="0">
-                <a:solidFill>
-                  <a:schemeClr val="bg1"/>
-                </a:solidFill>
-              </a:rPr>
-              <a:t> </a:t>
-            </a:r>
-            <a:r>
-              <a:rPr lang="en-US" sz="1600" dirty="0" err="1">
-                <a:solidFill>
-                  <a:schemeClr val="bg1"/>
-                </a:solidFill>
-              </a:rPr>
-              <a:t>classifiche</a:t>
-            </a:r>
-            <a:r>
-              <a:rPr lang="en-US" sz="1600" dirty="0">
-                <a:solidFill>
-                  <a:schemeClr val="bg1"/>
-                </a:solidFill>
-              </a:rPr>
-              <a:t> e </a:t>
-            </a:r>
-            <a:r>
-              <a:rPr lang="en-US" sz="1600" dirty="0" err="1">
-                <a:solidFill>
-                  <a:schemeClr val="bg1"/>
-                </a:solidFill>
-              </a:rPr>
-              <a:t>nella</a:t>
-            </a:r>
-            <a:r>
-              <a:rPr lang="en-US" sz="1600" dirty="0">
-                <a:solidFill>
-                  <a:schemeClr val="bg1"/>
-                </a:solidFill>
-              </a:rPr>
-              <a:t> chat), la mail e la </a:t>
-            </a:r>
-          </a:p>
-          <a:p>
-            <a:pPr marL="2743200" lvl="6" indent="0">
-              <a:buNone/>
-            </a:pPr>
-            <a:r>
-              <a:rPr lang="en-US" sz="1600" dirty="0">
-                <a:solidFill>
-                  <a:schemeClr val="bg1"/>
-                </a:solidFill>
-              </a:rPr>
-              <a:t>      password.                                  </a:t>
-            </a:r>
-          </a:p>
         </p:txBody>
       </p:sp>
       <p:pic>
         <p:nvPicPr>
-          <p:cNvPr id="10" name="Segnaposto contenuto 9">
+          <p:cNvPr id="12" name="Immagine 11" descr="Immagine che contiene testo&#10;&#10;Descrizione generata automaticamente">
             <a:extLst>
               <a:ext uri="{FF2B5EF4-FFF2-40B4-BE49-F238E27FC236}">
-                <a16:creationId xmlns:a16="http://schemas.microsoft.com/office/drawing/2014/main" id="{275ABDE4-E095-428E-ADEE-2FC9F79FE546}"/>
+                <a16:creationId xmlns:a16="http://schemas.microsoft.com/office/drawing/2014/main" id="{F43F2287-51C8-45B7-B875-B8CD12222D3D}"/>
               </a:ext>
             </a:extLst>
           </p:cNvPr>
           <p:cNvPicPr>
-            <a:picLocks noGrp="1" noChangeAspect="1"/>
+            <a:picLocks noChangeAspect="1"/>
           </p:cNvPicPr>
-          <p:nvPr>
-            <p:ph sz="half" idx="1"/>
-          </p:nvPr>
+          <p:nvPr/>
         </p:nvPicPr>
         <p:blipFill>
           <a:blip r:embed="rId4" cstate="print">
@@ -8016,41 +7490,8 @@
         </p:blipFill>
         <p:spPr>
           <a:xfrm>
-            <a:off x="6660232" y="1556793"/>
-            <a:ext cx="1400919" cy="2376264"/>
-          </a:xfrm>
-        </p:spPr>
-      </p:pic>
-      <p:pic>
-        <p:nvPicPr>
-          <p:cNvPr id="12" name="Immagine 11" descr="Immagine che contiene testo&#10;&#10;Descrizione generata automaticamente">
-            <a:extLst>
-              <a:ext uri="{FF2B5EF4-FFF2-40B4-BE49-F238E27FC236}">
-                <a16:creationId xmlns:a16="http://schemas.microsoft.com/office/drawing/2014/main" id="{F43F2287-51C8-45B7-B875-B8CD12222D3D}"/>
-              </a:ext>
-            </a:extLst>
-          </p:cNvPr>
-          <p:cNvPicPr>
-            <a:picLocks noChangeAspect="1"/>
-          </p:cNvPicPr>
-          <p:nvPr/>
-        </p:nvPicPr>
-        <p:blipFill>
-          <a:blip r:embed="rId5" cstate="print">
-            <a:extLst>
-              <a:ext uri="{28A0092B-C50C-407E-A947-70E740481C1C}">
-                <a14:useLocalDpi xmlns:a14="http://schemas.microsoft.com/office/drawing/2010/main" val="0"/>
-              </a:ext>
-            </a:extLst>
-          </a:blip>
-          <a:stretch>
-            <a:fillRect/>
-          </a:stretch>
-        </p:blipFill>
-        <p:spPr>
-          <a:xfrm>
-            <a:off x="539552" y="4221088"/>
-            <a:ext cx="1453503" cy="2230611"/>
+            <a:off x="6755818" y="1363451"/>
+            <a:ext cx="1374741" cy="2065549"/>
           </a:xfrm>
           <a:prstGeom prst="rect">
             <a:avLst/>
@@ -8059,10 +7500,10 @@
       </p:pic>
       <p:sp>
         <p:nvSpPr>
-          <p:cNvPr id="13" name="Ovale 12">
+          <p:cNvPr id="15" name="Ovale 14">
             <a:extLst>
               <a:ext uri="{FF2B5EF4-FFF2-40B4-BE49-F238E27FC236}">
-                <a16:creationId xmlns:a16="http://schemas.microsoft.com/office/drawing/2014/main" id="{F7ED6F92-0F6E-432A-8AAD-C8A6FED798A4}"/>
+                <a16:creationId xmlns:a16="http://schemas.microsoft.com/office/drawing/2014/main" id="{D6EBE685-6D67-4A6E-94F2-5F958FCEFE2C}"/>
               </a:ext>
             </a:extLst>
           </p:cNvPr>
@@ -8071,7 +7512,7 @@
         </p:nvSpPr>
         <p:spPr>
           <a:xfrm>
-            <a:off x="6732240" y="1844824"/>
+            <a:off x="7491114" y="1607545"/>
             <a:ext cx="720080" cy="288032"/>
           </a:xfrm>
           <a:prstGeom prst="ellipse">
@@ -8109,12 +7550,1191 @@
           </a:p>
         </p:txBody>
       </p:sp>
+      <p:pic>
+        <p:nvPicPr>
+          <p:cNvPr id="16" name="Immagine 2">
+            <a:extLst>
+              <a:ext uri="{FF2B5EF4-FFF2-40B4-BE49-F238E27FC236}">
+                <a16:creationId xmlns:a16="http://schemas.microsoft.com/office/drawing/2014/main" id="{9C264BD5-6D40-412B-BF9E-775AE6C113A0}"/>
+              </a:ext>
+            </a:extLst>
+          </p:cNvPr>
+          <p:cNvPicPr>
+            <a:picLocks noChangeAspect="1" noChangeArrowheads="1"/>
+          </p:cNvPicPr>
+          <p:nvPr/>
+        </p:nvPicPr>
+        <p:blipFill>
+          <a:blip r:embed="rId5" cstate="print">
+            <a:extLst>
+              <a:ext uri="{28A0092B-C50C-407E-A947-70E740481C1C}">
+                <a14:useLocalDpi xmlns:a14="http://schemas.microsoft.com/office/drawing/2010/main" val="0"/>
+              </a:ext>
+            </a:extLst>
+          </a:blip>
+          <a:srcRect/>
+          <a:stretch>
+            <a:fillRect/>
+          </a:stretch>
+        </p:blipFill>
+        <p:spPr bwMode="auto">
+          <a:xfrm>
+            <a:off x="467544" y="228872"/>
+            <a:ext cx="288032" cy="282031"/>
+          </a:xfrm>
+          <a:prstGeom prst="rect">
+            <a:avLst/>
+          </a:prstGeom>
+          <a:noFill/>
+          <a:ln>
+            <a:noFill/>
+          </a:ln>
+          <a:extLst>
+            <a:ext uri="{909E8E84-426E-40DD-AFC4-6F175D3DCCD1}">
+              <a14:hiddenFill xmlns:a14="http://schemas.microsoft.com/office/drawing/2010/main">
+                <a:solidFill>
+                  <a:srgbClr val="FFFFFF"/>
+                </a:solidFill>
+              </a14:hiddenFill>
+            </a:ext>
+            <a:ext uri="{91240B29-F687-4F45-9708-019B960494DF}">
+              <a14:hiddenLine xmlns:a14="http://schemas.microsoft.com/office/drawing/2010/main" w="9525">
+                <a:solidFill>
+                  <a:srgbClr val="000000"/>
+                </a:solidFill>
+                <a:miter lim="800000"/>
+                <a:headEnd/>
+                <a:tailEnd/>
+              </a14:hiddenLine>
+            </a:ext>
+          </a:extLst>
+        </p:spPr>
+      </p:pic>
       <p:sp>
         <p:nvSpPr>
-          <p:cNvPr id="15" name="Ovale 14">
+          <p:cNvPr id="6" name="CasellaDiTesto 5">
             <a:extLst>
               <a:ext uri="{FF2B5EF4-FFF2-40B4-BE49-F238E27FC236}">
-                <a16:creationId xmlns:a16="http://schemas.microsoft.com/office/drawing/2014/main" id="{D6EBE685-6D67-4A6E-94F2-5F958FCEFE2C}"/>
+                <a16:creationId xmlns:a16="http://schemas.microsoft.com/office/drawing/2014/main" id="{00A80539-1D33-4A0C-8C65-B445EEF9028B}"/>
+              </a:ext>
+            </a:extLst>
+          </p:cNvPr>
+          <p:cNvSpPr txBox="1"/>
+          <p:nvPr/>
+        </p:nvSpPr>
+        <p:spPr>
+          <a:xfrm>
+            <a:off x="251520" y="1676219"/>
+            <a:ext cx="5832648" cy="1369606"/>
+          </a:xfrm>
+          <a:prstGeom prst="rect">
+            <a:avLst/>
+          </a:prstGeom>
+          <a:noFill/>
+        </p:spPr>
+        <p:txBody>
+          <a:bodyPr wrap="square" rtlCol="0">
+            <a:spAutoFit/>
+          </a:bodyPr>
+          <a:lstStyle/>
+          <a:p>
+            <a:pPr marL="571500" indent="-457200">
+              <a:buFont typeface="Wingdings" panose="05000000000000000000" pitchFamily="2" charset="2"/>
+              <a:buChar char="q"/>
+            </a:pPr>
+            <a:r>
+              <a:rPr lang="en-US" sz="1900" b="1" dirty="0" err="1">
+                <a:solidFill>
+                  <a:schemeClr val="bg1"/>
+                </a:solidFill>
+                <a:latin typeface="+mn-lt"/>
+              </a:rPr>
+              <a:t>Registrazione</a:t>
+            </a:r>
+            <a:r>
+              <a:rPr lang="en-US" sz="1900" b="1" dirty="0">
+                <a:solidFill>
+                  <a:schemeClr val="bg1"/>
+                </a:solidFill>
+                <a:latin typeface="+mn-lt"/>
+              </a:rPr>
+              <a:t>: </a:t>
+            </a:r>
+            <a:r>
+              <a:rPr lang="en-US" sz="1600" dirty="0" err="1">
+                <a:solidFill>
+                  <a:schemeClr val="bg1"/>
+                </a:solidFill>
+                <a:latin typeface="+mn-lt"/>
+              </a:rPr>
+              <a:t>l’utente</a:t>
+            </a:r>
+            <a:r>
+              <a:rPr lang="en-US" sz="1600" dirty="0">
+                <a:solidFill>
+                  <a:schemeClr val="bg1"/>
+                </a:solidFill>
+                <a:latin typeface="+mn-lt"/>
+              </a:rPr>
+              <a:t> non </a:t>
+            </a:r>
+            <a:r>
+              <a:rPr lang="en-US" sz="1600" dirty="0" err="1">
+                <a:solidFill>
+                  <a:schemeClr val="bg1"/>
+                </a:solidFill>
+                <a:latin typeface="+mn-lt"/>
+              </a:rPr>
+              <a:t>ancora</a:t>
+            </a:r>
+            <a:r>
+              <a:rPr lang="en-US" sz="1600" dirty="0">
+                <a:solidFill>
+                  <a:schemeClr val="bg1"/>
+                </a:solidFill>
+                <a:latin typeface="+mn-lt"/>
+              </a:rPr>
+              <a:t> </a:t>
+            </a:r>
+            <a:r>
+              <a:rPr lang="en-US" sz="1600" dirty="0" err="1">
+                <a:solidFill>
+                  <a:schemeClr val="bg1"/>
+                </a:solidFill>
+                <a:latin typeface="+mn-lt"/>
+              </a:rPr>
+              <a:t>registrato</a:t>
+            </a:r>
+            <a:r>
+              <a:rPr lang="en-US" sz="1600" dirty="0">
+                <a:solidFill>
+                  <a:schemeClr val="bg1"/>
+                </a:solidFill>
+                <a:latin typeface="+mn-lt"/>
+              </a:rPr>
+              <a:t> </a:t>
+            </a:r>
+            <a:r>
+              <a:rPr lang="en-US" sz="1600" dirty="0" err="1">
+                <a:solidFill>
+                  <a:schemeClr val="bg1"/>
+                </a:solidFill>
+                <a:latin typeface="+mn-lt"/>
+              </a:rPr>
+              <a:t>potrà</a:t>
+            </a:r>
+            <a:r>
+              <a:rPr lang="en-US" sz="1600" dirty="0">
+                <a:solidFill>
+                  <a:schemeClr val="bg1"/>
+                </a:solidFill>
+                <a:latin typeface="+mn-lt"/>
+              </a:rPr>
+              <a:t> </a:t>
+            </a:r>
+            <a:r>
+              <a:rPr lang="en-US" sz="1600" dirty="0" err="1">
+                <a:solidFill>
+                  <a:schemeClr val="bg1"/>
+                </a:solidFill>
+                <a:latin typeface="+mn-lt"/>
+              </a:rPr>
+              <a:t>effettuare</a:t>
+            </a:r>
+            <a:r>
+              <a:rPr lang="en-US" sz="1600" dirty="0">
+                <a:solidFill>
+                  <a:schemeClr val="bg1"/>
+                </a:solidFill>
+                <a:latin typeface="+mn-lt"/>
+              </a:rPr>
+              <a:t> la propria </a:t>
+            </a:r>
+            <a:r>
+              <a:rPr lang="en-US" sz="1600" dirty="0" err="1">
+                <a:solidFill>
+                  <a:schemeClr val="bg1"/>
+                </a:solidFill>
+                <a:latin typeface="+mn-lt"/>
+              </a:rPr>
+              <a:t>registrazione</a:t>
+            </a:r>
+            <a:r>
+              <a:rPr lang="en-US" sz="1600" dirty="0">
+                <a:solidFill>
+                  <a:schemeClr val="bg1"/>
+                </a:solidFill>
+                <a:latin typeface="+mn-lt"/>
+              </a:rPr>
+              <a:t> </a:t>
+            </a:r>
+            <a:r>
+              <a:rPr lang="en-US" sz="1600" dirty="0" err="1">
+                <a:solidFill>
+                  <a:schemeClr val="bg1"/>
+                </a:solidFill>
+                <a:latin typeface="+mn-lt"/>
+              </a:rPr>
+              <a:t>inserendo</a:t>
+            </a:r>
+            <a:r>
+              <a:rPr lang="en-US" sz="1600" dirty="0">
+                <a:solidFill>
+                  <a:schemeClr val="bg1"/>
+                </a:solidFill>
+                <a:latin typeface="+mn-lt"/>
+              </a:rPr>
+              <a:t> un Nickname (</a:t>
+            </a:r>
+            <a:r>
+              <a:rPr lang="en-US" sz="1600" dirty="0" err="1">
+                <a:solidFill>
+                  <a:schemeClr val="bg1"/>
+                </a:solidFill>
+                <a:latin typeface="+mn-lt"/>
+              </a:rPr>
+              <a:t>che</a:t>
+            </a:r>
+            <a:r>
+              <a:rPr lang="en-US" sz="1600" dirty="0">
+                <a:solidFill>
+                  <a:schemeClr val="bg1"/>
+                </a:solidFill>
+                <a:latin typeface="+mn-lt"/>
+              </a:rPr>
+              <a:t> </a:t>
+            </a:r>
+            <a:r>
+              <a:rPr lang="en-US" sz="1600" dirty="0" err="1">
+                <a:solidFill>
+                  <a:schemeClr val="bg1"/>
+                </a:solidFill>
+                <a:latin typeface="+mn-lt"/>
+              </a:rPr>
+              <a:t>sarà</a:t>
+            </a:r>
+            <a:r>
+              <a:rPr lang="en-US" sz="1600" dirty="0">
+                <a:solidFill>
+                  <a:schemeClr val="bg1"/>
+                </a:solidFill>
+                <a:latin typeface="+mn-lt"/>
+              </a:rPr>
+              <a:t> il </a:t>
+            </a:r>
+            <a:r>
+              <a:rPr lang="en-US" sz="1600" dirty="0" err="1">
+                <a:solidFill>
+                  <a:schemeClr val="bg1"/>
+                </a:solidFill>
+                <a:latin typeface="+mn-lt"/>
+              </a:rPr>
+              <a:t>suo</a:t>
+            </a:r>
+            <a:r>
+              <a:rPr lang="en-US" sz="1600" dirty="0">
+                <a:solidFill>
+                  <a:schemeClr val="bg1"/>
+                </a:solidFill>
+                <a:latin typeface="+mn-lt"/>
+              </a:rPr>
+              <a:t> </a:t>
+            </a:r>
+            <a:r>
+              <a:rPr lang="en-US" sz="1600" dirty="0" err="1">
+                <a:solidFill>
+                  <a:schemeClr val="bg1"/>
+                </a:solidFill>
+                <a:latin typeface="+mn-lt"/>
+              </a:rPr>
+              <a:t>nome</a:t>
+            </a:r>
+            <a:r>
+              <a:rPr lang="en-US" sz="1600" dirty="0">
+                <a:solidFill>
+                  <a:schemeClr val="bg1"/>
+                </a:solidFill>
+                <a:latin typeface="+mn-lt"/>
+              </a:rPr>
+              <a:t> </a:t>
+            </a:r>
+            <a:r>
+              <a:rPr lang="en-US" sz="1600" dirty="0" err="1">
+                <a:solidFill>
+                  <a:schemeClr val="bg1"/>
+                </a:solidFill>
+                <a:latin typeface="+mn-lt"/>
+              </a:rPr>
+              <a:t>identificativo</a:t>
+            </a:r>
+            <a:r>
+              <a:rPr lang="en-US" sz="1600" dirty="0">
+                <a:solidFill>
+                  <a:schemeClr val="bg1"/>
+                </a:solidFill>
+                <a:latin typeface="+mn-lt"/>
+              </a:rPr>
+              <a:t> </a:t>
+            </a:r>
+            <a:r>
+              <a:rPr lang="en-US" sz="1600" dirty="0" err="1">
+                <a:solidFill>
+                  <a:schemeClr val="bg1"/>
+                </a:solidFill>
+                <a:latin typeface="+mn-lt"/>
+              </a:rPr>
+              <a:t>durante</a:t>
+            </a:r>
+            <a:r>
+              <a:rPr lang="en-US" sz="1600" dirty="0">
+                <a:solidFill>
+                  <a:schemeClr val="bg1"/>
+                </a:solidFill>
+                <a:latin typeface="+mn-lt"/>
+              </a:rPr>
+              <a:t> le partite, </a:t>
+            </a:r>
+            <a:r>
+              <a:rPr lang="en-US" sz="1600" dirty="0" err="1">
+                <a:solidFill>
+                  <a:schemeClr val="bg1"/>
+                </a:solidFill>
+                <a:latin typeface="+mn-lt"/>
+              </a:rPr>
+              <a:t>nelle</a:t>
+            </a:r>
+            <a:r>
+              <a:rPr lang="en-US" sz="1600" dirty="0">
+                <a:solidFill>
+                  <a:schemeClr val="bg1"/>
+                </a:solidFill>
+                <a:latin typeface="+mn-lt"/>
+              </a:rPr>
+              <a:t> </a:t>
+            </a:r>
+            <a:r>
+              <a:rPr lang="en-US" sz="1600" dirty="0" err="1">
+                <a:solidFill>
+                  <a:schemeClr val="bg1"/>
+                </a:solidFill>
+                <a:latin typeface="+mn-lt"/>
+              </a:rPr>
+              <a:t>classifiche</a:t>
+            </a:r>
+            <a:r>
+              <a:rPr lang="en-US" sz="1600" dirty="0">
+                <a:solidFill>
+                  <a:schemeClr val="bg1"/>
+                </a:solidFill>
+                <a:latin typeface="+mn-lt"/>
+              </a:rPr>
+              <a:t> e </a:t>
+            </a:r>
+            <a:r>
+              <a:rPr lang="en-US" sz="1600" dirty="0" err="1">
+                <a:solidFill>
+                  <a:schemeClr val="bg1"/>
+                </a:solidFill>
+                <a:latin typeface="+mn-lt"/>
+              </a:rPr>
+              <a:t>nella</a:t>
+            </a:r>
+            <a:r>
+              <a:rPr lang="en-US" sz="1600" dirty="0">
+                <a:solidFill>
+                  <a:schemeClr val="bg1"/>
+                </a:solidFill>
+                <a:latin typeface="+mn-lt"/>
+              </a:rPr>
+              <a:t> chat), la propria mail e la password </a:t>
+            </a:r>
+            <a:r>
+              <a:rPr lang="en-US" sz="1600" dirty="0" err="1">
+                <a:solidFill>
+                  <a:schemeClr val="bg1"/>
+                </a:solidFill>
+                <a:latin typeface="+mn-lt"/>
+              </a:rPr>
+              <a:t>d’accesso</a:t>
+            </a:r>
+            <a:r>
+              <a:rPr lang="en-US" sz="1600" dirty="0">
+                <a:solidFill>
+                  <a:schemeClr val="bg1"/>
+                </a:solidFill>
+                <a:latin typeface="+mn-lt"/>
+              </a:rPr>
+              <a:t>.</a:t>
+            </a:r>
+          </a:p>
+        </p:txBody>
+      </p:sp>
+      <p:sp>
+        <p:nvSpPr>
+          <p:cNvPr id="14" name="CasellaDiTesto 13">
+            <a:extLst>
+              <a:ext uri="{FF2B5EF4-FFF2-40B4-BE49-F238E27FC236}">
+                <a16:creationId xmlns:a16="http://schemas.microsoft.com/office/drawing/2014/main" id="{6C87536C-FE01-4619-ADDE-CC9B2CEA9984}"/>
+              </a:ext>
+            </a:extLst>
+          </p:cNvPr>
+          <p:cNvSpPr txBox="1"/>
+          <p:nvPr/>
+        </p:nvSpPr>
+        <p:spPr>
+          <a:xfrm>
+            <a:off x="3199111" y="3645024"/>
+            <a:ext cx="5832648" cy="1077218"/>
+          </a:xfrm>
+          <a:prstGeom prst="rect">
+            <a:avLst/>
+          </a:prstGeom>
+          <a:noFill/>
+        </p:spPr>
+        <p:txBody>
+          <a:bodyPr wrap="square" rtlCol="0">
+            <a:spAutoFit/>
+          </a:bodyPr>
+          <a:lstStyle/>
+          <a:p>
+            <a:pPr marL="114300"/>
+            <a:r>
+              <a:rPr lang="en-US" sz="1600" dirty="0">
+                <a:solidFill>
+                  <a:schemeClr val="bg1"/>
+                </a:solidFill>
+                <a:latin typeface="+mn-lt"/>
+              </a:rPr>
+              <a:t>Nel </a:t>
+            </a:r>
+            <a:r>
+              <a:rPr lang="en-US" sz="1600" dirty="0" err="1">
+                <a:solidFill>
+                  <a:schemeClr val="bg1"/>
+                </a:solidFill>
+                <a:latin typeface="+mn-lt"/>
+              </a:rPr>
+              <a:t>caso</a:t>
+            </a:r>
+            <a:r>
+              <a:rPr lang="en-US" sz="1600" dirty="0">
+                <a:solidFill>
+                  <a:schemeClr val="bg1"/>
+                </a:solidFill>
+                <a:latin typeface="+mn-lt"/>
+              </a:rPr>
+              <a:t> in cui la </a:t>
+            </a:r>
+            <a:r>
+              <a:rPr lang="en-US" sz="1600" dirty="0" err="1">
+                <a:solidFill>
+                  <a:schemeClr val="bg1"/>
+                </a:solidFill>
+                <a:latin typeface="+mn-lt"/>
+              </a:rPr>
+              <a:t>registrazione</a:t>
+            </a:r>
+            <a:r>
+              <a:rPr lang="en-US" sz="1600" dirty="0">
+                <a:solidFill>
+                  <a:schemeClr val="bg1"/>
+                </a:solidFill>
+                <a:latin typeface="+mn-lt"/>
+              </a:rPr>
+              <a:t> </a:t>
+            </a:r>
+            <a:r>
+              <a:rPr lang="en-US" sz="1600" dirty="0" err="1">
+                <a:solidFill>
+                  <a:schemeClr val="bg1"/>
+                </a:solidFill>
+                <a:latin typeface="+mn-lt"/>
+              </a:rPr>
+              <a:t>dovesse</a:t>
+            </a:r>
+            <a:r>
+              <a:rPr lang="en-US" sz="1600" dirty="0">
+                <a:solidFill>
+                  <a:schemeClr val="bg1"/>
+                </a:solidFill>
+                <a:latin typeface="+mn-lt"/>
+              </a:rPr>
+              <a:t> </a:t>
+            </a:r>
+            <a:r>
+              <a:rPr lang="en-US" sz="1600" dirty="0" err="1">
+                <a:solidFill>
+                  <a:schemeClr val="bg1"/>
+                </a:solidFill>
+                <a:latin typeface="+mn-lt"/>
+              </a:rPr>
+              <a:t>fallire</a:t>
+            </a:r>
+            <a:r>
+              <a:rPr lang="en-US" sz="1600" dirty="0">
+                <a:solidFill>
+                  <a:schemeClr val="bg1"/>
+                </a:solidFill>
+                <a:latin typeface="+mn-lt"/>
+              </a:rPr>
+              <a:t> </a:t>
+            </a:r>
+            <a:r>
+              <a:rPr lang="en-US" sz="1600" dirty="0" err="1">
+                <a:solidFill>
+                  <a:schemeClr val="bg1"/>
+                </a:solidFill>
+                <a:latin typeface="+mn-lt"/>
+              </a:rPr>
+              <a:t>verrà</a:t>
+            </a:r>
+            <a:r>
+              <a:rPr lang="en-US" sz="1600" dirty="0">
+                <a:solidFill>
+                  <a:schemeClr val="bg1"/>
+                </a:solidFill>
+                <a:latin typeface="+mn-lt"/>
+              </a:rPr>
+              <a:t> </a:t>
+            </a:r>
+            <a:r>
+              <a:rPr lang="en-US" sz="1600" dirty="0" err="1">
+                <a:solidFill>
+                  <a:schemeClr val="bg1"/>
+                </a:solidFill>
+                <a:latin typeface="+mn-lt"/>
+              </a:rPr>
+              <a:t>mostrato</a:t>
+            </a:r>
+            <a:r>
+              <a:rPr lang="en-US" sz="1600" dirty="0">
+                <a:solidFill>
+                  <a:schemeClr val="bg1"/>
+                </a:solidFill>
+                <a:latin typeface="+mn-lt"/>
+              </a:rPr>
+              <a:t> un </a:t>
+            </a:r>
+            <a:r>
+              <a:rPr lang="en-US" sz="1600" dirty="0" err="1">
+                <a:solidFill>
+                  <a:schemeClr val="bg1"/>
+                </a:solidFill>
+                <a:latin typeface="+mn-lt"/>
+              </a:rPr>
+              <a:t>messaggio</a:t>
+            </a:r>
+            <a:r>
+              <a:rPr lang="en-US" sz="1600" dirty="0">
+                <a:solidFill>
+                  <a:schemeClr val="bg1"/>
+                </a:solidFill>
+                <a:latin typeface="+mn-lt"/>
+              </a:rPr>
+              <a:t> di </a:t>
+            </a:r>
+            <a:r>
+              <a:rPr lang="en-US" sz="1600" dirty="0" err="1">
+                <a:solidFill>
+                  <a:schemeClr val="bg1"/>
+                </a:solidFill>
+                <a:latin typeface="+mn-lt"/>
+              </a:rPr>
+              <a:t>errore</a:t>
+            </a:r>
+            <a:r>
+              <a:rPr lang="en-US" sz="1600" dirty="0">
+                <a:solidFill>
+                  <a:schemeClr val="bg1"/>
+                </a:solidFill>
+                <a:latin typeface="+mn-lt"/>
+              </a:rPr>
+              <a:t> e </a:t>
+            </a:r>
+            <a:r>
+              <a:rPr lang="en-US" sz="1600" dirty="0" err="1">
+                <a:solidFill>
+                  <a:schemeClr val="bg1"/>
+                </a:solidFill>
+                <a:latin typeface="+mn-lt"/>
+              </a:rPr>
+              <a:t>l’utente</a:t>
+            </a:r>
+            <a:r>
+              <a:rPr lang="en-US" sz="1600" dirty="0">
+                <a:solidFill>
+                  <a:schemeClr val="bg1"/>
+                </a:solidFill>
+                <a:latin typeface="+mn-lt"/>
+              </a:rPr>
+              <a:t> </a:t>
+            </a:r>
+            <a:r>
+              <a:rPr lang="en-US" sz="1600" dirty="0" err="1">
+                <a:solidFill>
+                  <a:schemeClr val="bg1"/>
+                </a:solidFill>
+                <a:latin typeface="+mn-lt"/>
+              </a:rPr>
+              <a:t>dovrà</a:t>
+            </a:r>
+            <a:r>
+              <a:rPr lang="en-US" sz="1600" dirty="0">
+                <a:solidFill>
+                  <a:schemeClr val="bg1"/>
+                </a:solidFill>
+                <a:latin typeface="+mn-lt"/>
+              </a:rPr>
+              <a:t> </a:t>
+            </a:r>
+            <a:r>
+              <a:rPr lang="en-US" sz="1600" dirty="0" err="1">
+                <a:solidFill>
+                  <a:schemeClr val="bg1"/>
+                </a:solidFill>
+                <a:latin typeface="+mn-lt"/>
+              </a:rPr>
+              <a:t>rimanere</a:t>
+            </a:r>
+            <a:r>
+              <a:rPr lang="en-US" sz="1600" dirty="0">
+                <a:solidFill>
+                  <a:schemeClr val="bg1"/>
+                </a:solidFill>
+                <a:latin typeface="+mn-lt"/>
+              </a:rPr>
+              <a:t> </a:t>
+            </a:r>
+            <a:r>
+              <a:rPr lang="en-US" sz="1600" dirty="0" err="1">
+                <a:solidFill>
+                  <a:schemeClr val="bg1"/>
+                </a:solidFill>
+                <a:latin typeface="+mn-lt"/>
+              </a:rPr>
+              <a:t>sulla</a:t>
+            </a:r>
+            <a:r>
+              <a:rPr lang="en-US" sz="1600" dirty="0">
+                <a:solidFill>
+                  <a:schemeClr val="bg1"/>
+                </a:solidFill>
+                <a:latin typeface="+mn-lt"/>
+              </a:rPr>
+              <a:t> </a:t>
+            </a:r>
+            <a:r>
+              <a:rPr lang="en-US" sz="1600" dirty="0" err="1">
+                <a:solidFill>
+                  <a:schemeClr val="bg1"/>
+                </a:solidFill>
+                <a:latin typeface="+mn-lt"/>
+              </a:rPr>
+              <a:t>pagina</a:t>
+            </a:r>
+            <a:r>
+              <a:rPr lang="en-US" sz="1600" dirty="0">
+                <a:solidFill>
+                  <a:schemeClr val="bg1"/>
+                </a:solidFill>
+                <a:latin typeface="+mn-lt"/>
+              </a:rPr>
+              <a:t> di Login e </a:t>
+            </a:r>
+            <a:r>
+              <a:rPr lang="en-US" sz="1600" dirty="0" err="1">
+                <a:solidFill>
+                  <a:schemeClr val="bg1"/>
+                </a:solidFill>
+                <a:latin typeface="+mn-lt"/>
+              </a:rPr>
+              <a:t>rifare</a:t>
+            </a:r>
+            <a:r>
+              <a:rPr lang="en-US" sz="1600" dirty="0">
+                <a:solidFill>
+                  <a:schemeClr val="bg1"/>
+                </a:solidFill>
+                <a:latin typeface="+mn-lt"/>
+              </a:rPr>
+              <a:t> la </a:t>
+            </a:r>
+            <a:r>
+              <a:rPr lang="en-US" sz="1600" dirty="0" err="1">
+                <a:solidFill>
+                  <a:schemeClr val="bg1"/>
+                </a:solidFill>
+                <a:latin typeface="+mn-lt"/>
+              </a:rPr>
+              <a:t>registrazione</a:t>
+            </a:r>
+            <a:r>
+              <a:rPr lang="en-US" sz="1600" dirty="0">
+                <a:solidFill>
+                  <a:schemeClr val="bg1"/>
+                </a:solidFill>
+                <a:latin typeface="+mn-lt"/>
+              </a:rPr>
+              <a:t> </a:t>
+            </a:r>
+            <a:r>
+              <a:rPr lang="en-US" sz="1600" dirty="0" err="1">
+                <a:solidFill>
+                  <a:schemeClr val="bg1"/>
+                </a:solidFill>
+                <a:latin typeface="+mn-lt"/>
+              </a:rPr>
+              <a:t>finchè</a:t>
+            </a:r>
+            <a:r>
+              <a:rPr lang="en-US" sz="1600" dirty="0">
+                <a:solidFill>
+                  <a:schemeClr val="bg1"/>
+                </a:solidFill>
+                <a:latin typeface="+mn-lt"/>
+              </a:rPr>
+              <a:t> la </a:t>
+            </a:r>
+            <a:r>
+              <a:rPr lang="en-US" sz="1600" dirty="0" err="1">
+                <a:solidFill>
+                  <a:schemeClr val="bg1"/>
+                </a:solidFill>
+                <a:latin typeface="+mn-lt"/>
+              </a:rPr>
+              <a:t>stessa</a:t>
+            </a:r>
+            <a:r>
+              <a:rPr lang="en-US" sz="1600" dirty="0">
+                <a:solidFill>
+                  <a:schemeClr val="bg1"/>
+                </a:solidFill>
+                <a:latin typeface="+mn-lt"/>
+              </a:rPr>
+              <a:t> non </a:t>
+            </a:r>
+            <a:r>
+              <a:rPr lang="en-US" sz="1600" dirty="0" err="1">
+                <a:solidFill>
+                  <a:schemeClr val="bg1"/>
+                </a:solidFill>
+                <a:latin typeface="+mn-lt"/>
+              </a:rPr>
+              <a:t>sarà</a:t>
+            </a:r>
+            <a:r>
+              <a:rPr lang="en-US" sz="1600" dirty="0">
+                <a:solidFill>
+                  <a:schemeClr val="bg1"/>
+                </a:solidFill>
+                <a:latin typeface="+mn-lt"/>
+              </a:rPr>
+              <a:t> terminate con </a:t>
+            </a:r>
+            <a:r>
+              <a:rPr lang="en-US" sz="1600" dirty="0" err="1">
+                <a:solidFill>
+                  <a:schemeClr val="bg1"/>
+                </a:solidFill>
+                <a:latin typeface="+mn-lt"/>
+              </a:rPr>
+              <a:t>esito</a:t>
+            </a:r>
+            <a:r>
+              <a:rPr lang="en-US" sz="1600" dirty="0">
+                <a:solidFill>
+                  <a:schemeClr val="bg1"/>
+                </a:solidFill>
+                <a:latin typeface="+mn-lt"/>
+              </a:rPr>
+              <a:t> positive.</a:t>
+            </a:r>
+          </a:p>
+        </p:txBody>
+      </p:sp>
+      <p:sp>
+        <p:nvSpPr>
+          <p:cNvPr id="18" name="CasellaDiTesto 17">
+            <a:extLst>
+              <a:ext uri="{FF2B5EF4-FFF2-40B4-BE49-F238E27FC236}">
+                <a16:creationId xmlns:a16="http://schemas.microsoft.com/office/drawing/2014/main" id="{BCEDA92C-6D88-42AC-B2C1-258D3B300972}"/>
+              </a:ext>
+            </a:extLst>
+          </p:cNvPr>
+          <p:cNvSpPr txBox="1"/>
+          <p:nvPr/>
+        </p:nvSpPr>
+        <p:spPr>
+          <a:xfrm>
+            <a:off x="622634" y="5443290"/>
+            <a:ext cx="5832648" cy="830997"/>
+          </a:xfrm>
+          <a:prstGeom prst="rect">
+            <a:avLst/>
+          </a:prstGeom>
+          <a:noFill/>
+        </p:spPr>
+        <p:txBody>
+          <a:bodyPr wrap="square" rtlCol="0">
+            <a:spAutoFit/>
+          </a:bodyPr>
+          <a:lstStyle/>
+          <a:p>
+            <a:pPr marL="114300"/>
+            <a:r>
+              <a:rPr lang="en-US" sz="1600" dirty="0">
+                <a:solidFill>
+                  <a:schemeClr val="bg1"/>
+                </a:solidFill>
+                <a:latin typeface="+mn-lt"/>
+              </a:rPr>
+              <a:t>Nel </a:t>
+            </a:r>
+            <a:r>
+              <a:rPr lang="en-US" sz="1600" dirty="0" err="1">
+                <a:solidFill>
+                  <a:schemeClr val="bg1"/>
+                </a:solidFill>
+                <a:latin typeface="+mn-lt"/>
+              </a:rPr>
+              <a:t>caso</a:t>
+            </a:r>
+            <a:r>
+              <a:rPr lang="en-US" sz="1600" dirty="0">
+                <a:solidFill>
+                  <a:schemeClr val="bg1"/>
+                </a:solidFill>
+                <a:latin typeface="+mn-lt"/>
+              </a:rPr>
+              <a:t> in cui la </a:t>
+            </a:r>
+            <a:r>
+              <a:rPr lang="en-US" sz="1600" dirty="0" err="1">
+                <a:solidFill>
+                  <a:schemeClr val="bg1"/>
+                </a:solidFill>
+                <a:latin typeface="+mn-lt"/>
+              </a:rPr>
+              <a:t>registrazione</a:t>
+            </a:r>
+            <a:r>
+              <a:rPr lang="en-US" sz="1600" dirty="0">
+                <a:solidFill>
+                  <a:schemeClr val="bg1"/>
+                </a:solidFill>
+                <a:latin typeface="+mn-lt"/>
+              </a:rPr>
+              <a:t> </a:t>
+            </a:r>
+            <a:r>
+              <a:rPr lang="en-US" sz="1600" dirty="0" err="1">
+                <a:solidFill>
+                  <a:schemeClr val="bg1"/>
+                </a:solidFill>
+                <a:latin typeface="+mn-lt"/>
+              </a:rPr>
+              <a:t>dovesse</a:t>
+            </a:r>
+            <a:r>
+              <a:rPr lang="en-US" sz="1600" dirty="0">
+                <a:solidFill>
+                  <a:schemeClr val="bg1"/>
+                </a:solidFill>
+                <a:latin typeface="+mn-lt"/>
+              </a:rPr>
+              <a:t> </a:t>
+            </a:r>
+            <a:r>
+              <a:rPr lang="en-US" sz="1600" dirty="0" err="1">
+                <a:solidFill>
+                  <a:schemeClr val="bg1"/>
+                </a:solidFill>
+                <a:latin typeface="+mn-lt"/>
+              </a:rPr>
+              <a:t>avere</a:t>
+            </a:r>
+            <a:r>
+              <a:rPr lang="en-US" sz="1600" dirty="0">
+                <a:solidFill>
+                  <a:schemeClr val="bg1"/>
+                </a:solidFill>
+                <a:latin typeface="+mn-lt"/>
+              </a:rPr>
+              <a:t> </a:t>
+            </a:r>
+            <a:r>
+              <a:rPr lang="en-US" sz="1600" dirty="0" err="1">
+                <a:solidFill>
+                  <a:schemeClr val="bg1"/>
+                </a:solidFill>
+                <a:latin typeface="+mn-lt"/>
+              </a:rPr>
+              <a:t>esito</a:t>
+            </a:r>
+            <a:r>
+              <a:rPr lang="en-US" sz="1600" dirty="0">
+                <a:solidFill>
+                  <a:schemeClr val="bg1"/>
+                </a:solidFill>
+                <a:latin typeface="+mn-lt"/>
+              </a:rPr>
+              <a:t> </a:t>
+            </a:r>
+            <a:r>
+              <a:rPr lang="en-US" sz="1600" dirty="0" err="1">
+                <a:solidFill>
+                  <a:schemeClr val="bg1"/>
+                </a:solidFill>
+                <a:latin typeface="+mn-lt"/>
+              </a:rPr>
+              <a:t>positivo</a:t>
+            </a:r>
+            <a:r>
+              <a:rPr lang="en-US" sz="1600" dirty="0">
+                <a:solidFill>
+                  <a:schemeClr val="bg1"/>
+                </a:solidFill>
+                <a:latin typeface="+mn-lt"/>
+              </a:rPr>
+              <a:t> </a:t>
+            </a:r>
+            <a:r>
+              <a:rPr lang="en-US" sz="1600" dirty="0" err="1">
+                <a:solidFill>
+                  <a:schemeClr val="bg1"/>
+                </a:solidFill>
+                <a:latin typeface="+mn-lt"/>
+              </a:rPr>
+              <a:t>verrà</a:t>
+            </a:r>
+            <a:r>
+              <a:rPr lang="en-US" sz="1600" dirty="0">
+                <a:solidFill>
+                  <a:schemeClr val="bg1"/>
+                </a:solidFill>
+                <a:latin typeface="+mn-lt"/>
+              </a:rPr>
+              <a:t> </a:t>
+            </a:r>
+            <a:r>
+              <a:rPr lang="en-US" sz="1600" dirty="0" err="1">
+                <a:solidFill>
+                  <a:schemeClr val="bg1"/>
+                </a:solidFill>
+                <a:latin typeface="+mn-lt"/>
+              </a:rPr>
+              <a:t>mostrato</a:t>
+            </a:r>
+            <a:r>
+              <a:rPr lang="en-US" sz="1600" dirty="0">
+                <a:solidFill>
+                  <a:schemeClr val="bg1"/>
+                </a:solidFill>
+                <a:latin typeface="+mn-lt"/>
+              </a:rPr>
+              <a:t> un </a:t>
+            </a:r>
+            <a:r>
+              <a:rPr lang="en-US" sz="1600" dirty="0" err="1">
+                <a:solidFill>
+                  <a:schemeClr val="bg1"/>
+                </a:solidFill>
+                <a:latin typeface="+mn-lt"/>
+              </a:rPr>
+              <a:t>messaggio</a:t>
+            </a:r>
+            <a:r>
+              <a:rPr lang="en-US" sz="1600" dirty="0">
+                <a:solidFill>
+                  <a:schemeClr val="bg1"/>
+                </a:solidFill>
+                <a:latin typeface="+mn-lt"/>
+              </a:rPr>
+              <a:t> di </a:t>
+            </a:r>
+            <a:r>
+              <a:rPr lang="en-US" sz="1600" dirty="0" err="1">
+                <a:solidFill>
+                  <a:schemeClr val="bg1"/>
+                </a:solidFill>
+                <a:latin typeface="+mn-lt"/>
+              </a:rPr>
+              <a:t>avvenuto</a:t>
+            </a:r>
+            <a:r>
+              <a:rPr lang="en-US" sz="1600" dirty="0">
+                <a:solidFill>
+                  <a:schemeClr val="bg1"/>
+                </a:solidFill>
+                <a:latin typeface="+mn-lt"/>
+              </a:rPr>
+              <a:t> </a:t>
+            </a:r>
+            <a:r>
+              <a:rPr lang="en-US" sz="1600" dirty="0" err="1">
+                <a:solidFill>
+                  <a:schemeClr val="bg1"/>
+                </a:solidFill>
+                <a:latin typeface="+mn-lt"/>
+              </a:rPr>
+              <a:t>successo</a:t>
+            </a:r>
+            <a:r>
+              <a:rPr lang="en-US" sz="1600" dirty="0">
+                <a:solidFill>
+                  <a:schemeClr val="bg1"/>
+                </a:solidFill>
+                <a:latin typeface="+mn-lt"/>
+              </a:rPr>
+              <a:t> e </a:t>
+            </a:r>
+            <a:r>
+              <a:rPr lang="en-US" sz="1600" dirty="0" err="1">
+                <a:solidFill>
+                  <a:schemeClr val="bg1"/>
+                </a:solidFill>
+                <a:latin typeface="+mn-lt"/>
+              </a:rPr>
+              <a:t>l’utente</a:t>
+            </a:r>
+            <a:r>
+              <a:rPr lang="en-US" sz="1600" dirty="0">
+                <a:solidFill>
+                  <a:schemeClr val="bg1"/>
+                </a:solidFill>
+                <a:latin typeface="+mn-lt"/>
+              </a:rPr>
+              <a:t> </a:t>
+            </a:r>
+            <a:r>
+              <a:rPr lang="en-US" sz="1600" dirty="0" err="1">
+                <a:solidFill>
+                  <a:schemeClr val="bg1"/>
+                </a:solidFill>
+                <a:latin typeface="+mn-lt"/>
+              </a:rPr>
+              <a:t>potrà</a:t>
+            </a:r>
+            <a:r>
+              <a:rPr lang="en-US" sz="1600" dirty="0">
+                <a:solidFill>
+                  <a:schemeClr val="bg1"/>
+                </a:solidFill>
+                <a:latin typeface="+mn-lt"/>
+              </a:rPr>
+              <a:t> procedure con la login </a:t>
+            </a:r>
+            <a:r>
+              <a:rPr lang="en-US" sz="1600" dirty="0" err="1">
+                <a:solidFill>
+                  <a:schemeClr val="bg1"/>
+                </a:solidFill>
+                <a:latin typeface="+mn-lt"/>
+              </a:rPr>
+              <a:t>utilizzando</a:t>
+            </a:r>
+            <a:r>
+              <a:rPr lang="en-US" sz="1600" dirty="0">
+                <a:solidFill>
+                  <a:schemeClr val="bg1"/>
+                </a:solidFill>
+                <a:latin typeface="+mn-lt"/>
+              </a:rPr>
+              <a:t> la </a:t>
+            </a:r>
+            <a:r>
+              <a:rPr lang="en-US" sz="1600" dirty="0" err="1">
+                <a:solidFill>
+                  <a:schemeClr val="bg1"/>
+                </a:solidFill>
+                <a:latin typeface="+mn-lt"/>
+              </a:rPr>
+              <a:t>sua</a:t>
+            </a:r>
+            <a:r>
+              <a:rPr lang="en-US" sz="1600" dirty="0">
+                <a:solidFill>
+                  <a:schemeClr val="bg1"/>
+                </a:solidFill>
+                <a:latin typeface="+mn-lt"/>
+              </a:rPr>
+              <a:t> </a:t>
+            </a:r>
+            <a:r>
+              <a:rPr lang="en-US" sz="1600" dirty="0" err="1">
+                <a:solidFill>
+                  <a:schemeClr val="bg1"/>
+                </a:solidFill>
+                <a:latin typeface="+mn-lt"/>
+              </a:rPr>
+              <a:t>nuova</a:t>
+            </a:r>
+            <a:r>
+              <a:rPr lang="en-US" sz="1600" dirty="0">
+                <a:solidFill>
+                  <a:schemeClr val="bg1"/>
+                </a:solidFill>
+                <a:latin typeface="+mn-lt"/>
+              </a:rPr>
+              <a:t> </a:t>
+            </a:r>
+            <a:r>
+              <a:rPr lang="en-US" sz="1600" dirty="0" err="1">
+                <a:solidFill>
+                  <a:schemeClr val="bg1"/>
+                </a:solidFill>
+                <a:latin typeface="+mn-lt"/>
+              </a:rPr>
+              <a:t>utenza</a:t>
+            </a:r>
+            <a:r>
+              <a:rPr lang="en-US" sz="1600" dirty="0">
+                <a:solidFill>
+                  <a:schemeClr val="bg1"/>
+                </a:solidFill>
+                <a:latin typeface="+mn-lt"/>
+              </a:rPr>
+              <a:t>.</a:t>
+            </a:r>
+          </a:p>
+        </p:txBody>
+      </p:sp>
+      <p:pic>
+        <p:nvPicPr>
+          <p:cNvPr id="19" name="Immagine 18">
+            <a:extLst>
+              <a:ext uri="{FF2B5EF4-FFF2-40B4-BE49-F238E27FC236}">
+                <a16:creationId xmlns:a16="http://schemas.microsoft.com/office/drawing/2014/main" id="{BE36120B-6064-4D1F-9961-396FC95C3D55}"/>
+              </a:ext>
+            </a:extLst>
+          </p:cNvPr>
+          <p:cNvPicPr>
+            <a:picLocks noChangeAspect="1"/>
+          </p:cNvPicPr>
+          <p:nvPr/>
+        </p:nvPicPr>
+        <p:blipFill>
+          <a:blip r:embed="rId6"/>
+          <a:stretch>
+            <a:fillRect/>
+          </a:stretch>
+        </p:blipFill>
+        <p:spPr>
+          <a:xfrm>
+            <a:off x="7236296" y="4581128"/>
+            <a:ext cx="1264784" cy="2232328"/>
+          </a:xfrm>
+          <a:prstGeom prst="rect">
+            <a:avLst/>
+          </a:prstGeom>
+        </p:spPr>
+      </p:pic>
+      <p:sp>
+        <p:nvSpPr>
+          <p:cNvPr id="20" name="Ovale 19">
+            <a:extLst>
+              <a:ext uri="{FF2B5EF4-FFF2-40B4-BE49-F238E27FC236}">
+                <a16:creationId xmlns:a16="http://schemas.microsoft.com/office/drawing/2014/main" id="{F810E36D-6FB1-4AFC-B7B8-24A6BC631420}"/>
               </a:ext>
             </a:extLst>
           </p:cNvPr>
@@ -8123,8 +8743,8 @@
         </p:nvSpPr>
         <p:spPr>
           <a:xfrm>
-            <a:off x="1259632" y="4509120"/>
-            <a:ext cx="720080" cy="288032"/>
+            <a:off x="6915050" y="4841429"/>
+            <a:ext cx="1872208" cy="353824"/>
           </a:xfrm>
           <a:prstGeom prst="ellipse">
             <a:avLst/>
@@ -8163,64 +8783,92 @@
       </p:sp>
       <p:pic>
         <p:nvPicPr>
-          <p:cNvPr id="16" name="Immagine 2">
+          <p:cNvPr id="24" name="Immagine 23">
             <a:extLst>
               <a:ext uri="{FF2B5EF4-FFF2-40B4-BE49-F238E27FC236}">
-                <a16:creationId xmlns:a16="http://schemas.microsoft.com/office/drawing/2014/main" id="{9C264BD5-6D40-412B-BF9E-775AE6C113A0}"/>
+                <a16:creationId xmlns:a16="http://schemas.microsoft.com/office/drawing/2014/main" id="{68AD2A82-3B13-4DA7-B5E1-B51FA1DD1B40}"/>
               </a:ext>
             </a:extLst>
           </p:cNvPr>
           <p:cNvPicPr>
-            <a:picLocks noChangeAspect="1" noChangeArrowheads="1"/>
+            <a:picLocks noChangeAspect="1"/>
           </p:cNvPicPr>
           <p:nvPr/>
         </p:nvPicPr>
         <p:blipFill>
-          <a:blip r:embed="rId6" cstate="print">
+          <a:blip r:embed="rId7" cstate="print">
             <a:extLst>
               <a:ext uri="{28A0092B-C50C-407E-A947-70E740481C1C}">
                 <a14:useLocalDpi xmlns:a14="http://schemas.microsoft.com/office/drawing/2010/main" val="0"/>
               </a:ext>
             </a:extLst>
           </a:blip>
-          <a:srcRect/>
           <a:stretch>
             <a:fillRect/>
           </a:stretch>
         </p:blipFill>
-        <p:spPr bwMode="auto">
+        <p:spPr>
           <a:xfrm>
-            <a:off x="467544" y="228872"/>
-            <a:ext cx="288032" cy="282031"/>
+            <a:off x="1013441" y="3055697"/>
+            <a:ext cx="1311823" cy="2204864"/>
           </a:xfrm>
           <a:prstGeom prst="rect">
             <a:avLst/>
           </a:prstGeom>
+        </p:spPr>
+      </p:pic>
+      <p:sp>
+        <p:nvSpPr>
+          <p:cNvPr id="25" name="Ovale 24">
+            <a:extLst>
+              <a:ext uri="{FF2B5EF4-FFF2-40B4-BE49-F238E27FC236}">
+                <a16:creationId xmlns:a16="http://schemas.microsoft.com/office/drawing/2014/main" id="{DBDFC3BD-A817-42CA-8E18-C334F1E4421D}"/>
+              </a:ext>
+            </a:extLst>
+          </p:cNvPr>
+          <p:cNvSpPr/>
+          <p:nvPr/>
+        </p:nvSpPr>
+        <p:spPr>
+          <a:xfrm>
+            <a:off x="622634" y="3531508"/>
+            <a:ext cx="1872208" cy="353824"/>
+          </a:xfrm>
+          <a:prstGeom prst="ellipse">
+            <a:avLst/>
+          </a:prstGeom>
           <a:noFill/>
           <a:ln>
-            <a:noFill/>
+            <a:solidFill>
+              <a:srgbClr val="C00000"/>
+            </a:solidFill>
           </a:ln>
-          <a:extLst>
-            <a:ext uri="{909E8E84-426E-40DD-AFC4-6F175D3DCCD1}">
-              <a14:hiddenFill xmlns:a14="http://schemas.microsoft.com/office/drawing/2010/main">
-                <a:solidFill>
-                  <a:srgbClr val="FFFFFF"/>
-                </a:solidFill>
-              </a14:hiddenFill>
-            </a:ext>
-            <a:ext uri="{91240B29-F687-4F45-9708-019B960494DF}">
-              <a14:hiddenLine xmlns:a14="http://schemas.microsoft.com/office/drawing/2010/main" w="9525">
-                <a:solidFill>
-                  <a:srgbClr val="000000"/>
-                </a:solidFill>
-                <a:miter lim="800000"/>
-                <a:headEnd/>
-                <a:tailEnd/>
-              </a14:hiddenLine>
-            </a:ext>
-          </a:extLst>
         </p:spPr>
-      </p:pic>
+        <p:style>
+          <a:lnRef idx="2">
+            <a:schemeClr val="accent1">
+              <a:shade val="50000"/>
+            </a:schemeClr>
+          </a:lnRef>
+          <a:fillRef idx="1">
+            <a:schemeClr val="accent1"/>
+          </a:fillRef>
+          <a:effectRef idx="0">
+            <a:schemeClr val="accent1"/>
+          </a:effectRef>
+          <a:fontRef idx="minor">
+            <a:schemeClr val="lt1"/>
+          </a:fontRef>
+        </p:style>
+        <p:txBody>
+          <a:bodyPr rtlCol="0" anchor="ctr"/>
+          <a:lstStyle/>
+          <a:p>
+            <a:pPr algn="ctr"/>
+            <a:endParaRPr lang="en-GB"/>
+          </a:p>
+        </p:txBody>
+      </p:sp>
     </p:spTree>
   </p:cSld>
   <p:clrMapOvr>
@@ -8313,6 +8961,1515 @@
 </file>
 
 <file path=ppt/slides/slide3.xml><?xml version="1.0" encoding="utf-8"?>
+<p:sld xmlns:a="http://schemas.openxmlformats.org/drawingml/2006/main" xmlns:r="http://schemas.openxmlformats.org/officeDocument/2006/relationships" xmlns:p="http://schemas.openxmlformats.org/presentationml/2006/main">
+  <p:cSld>
+    <p:spTree>
+      <p:nvGrpSpPr>
+        <p:cNvPr id="1" name=""/>
+        <p:cNvGrpSpPr/>
+        <p:nvPr/>
+      </p:nvGrpSpPr>
+      <p:grpSpPr>
+        <a:xfrm>
+          <a:off x="0" y="0"/>
+          <a:ext cx="0" cy="0"/>
+          <a:chOff x="0" y="0"/>
+          <a:chExt cx="0" cy="0"/>
+        </a:xfrm>
+      </p:grpSpPr>
+      <p:sp>
+        <p:nvSpPr>
+          <p:cNvPr id="3" name="Titolo 2">
+            <a:extLst>
+              <a:ext uri="{FF2B5EF4-FFF2-40B4-BE49-F238E27FC236}">
+                <a16:creationId xmlns:a16="http://schemas.microsoft.com/office/drawing/2014/main" id="{CC7BCF53-C58B-46DB-9ED4-DF86FB9BC136}"/>
+              </a:ext>
+            </a:extLst>
+          </p:cNvPr>
+          <p:cNvSpPr>
+            <a:spLocks noGrp="1"/>
+          </p:cNvSpPr>
+          <p:nvPr>
+            <p:ph type="title"/>
+          </p:nvPr>
+        </p:nvSpPr>
+        <p:spPr>
+          <a:xfrm>
+            <a:off x="755724" y="115888"/>
+            <a:ext cx="7632700" cy="508000"/>
+          </a:xfrm>
+        </p:spPr>
+        <p:txBody>
+          <a:bodyPr wrap="square" anchor="ctr">
+            <a:noAutofit/>
+          </a:bodyPr>
+          <a:lstStyle/>
+          <a:p>
+            <a:pPr>
+              <a:lnSpc>
+                <a:spcPct val="90000"/>
+              </a:lnSpc>
+            </a:pPr>
+            <a:r>
+              <a:rPr lang="it-IT" sz="4000" b="1" dirty="0">
+                <a:solidFill>
+                  <a:schemeClr val="bg1"/>
+                </a:solidFill>
+              </a:rPr>
+              <a:t>Login	 </a:t>
+            </a:r>
+            <a:endParaRPr lang="en-GB" sz="4000" b="1" dirty="0">
+              <a:solidFill>
+                <a:schemeClr val="bg1"/>
+              </a:solidFill>
+            </a:endParaRPr>
+          </a:p>
+        </p:txBody>
+      </p:sp>
+      <p:sp>
+        <p:nvSpPr>
+          <p:cNvPr id="9" name="Content Placeholder 3">
+            <a:extLst>
+              <a:ext uri="{FF2B5EF4-FFF2-40B4-BE49-F238E27FC236}">
+                <a16:creationId xmlns:a16="http://schemas.microsoft.com/office/drawing/2014/main" id="{5DCFFF97-4911-47E0-8DC8-5E470A212314}"/>
+              </a:ext>
+            </a:extLst>
+          </p:cNvPr>
+          <p:cNvSpPr>
+            <a:spLocks noGrp="1"/>
+          </p:cNvSpPr>
+          <p:nvPr>
+            <p:ph sz="half" idx="2"/>
+          </p:nvPr>
+        </p:nvSpPr>
+        <p:spPr>
+          <a:xfrm>
+            <a:off x="395536" y="836712"/>
+            <a:ext cx="8352928" cy="5614987"/>
+          </a:xfrm>
+        </p:spPr>
+        <p:txBody>
+          <a:bodyPr/>
+          <a:lstStyle/>
+          <a:p>
+            <a:pPr marL="0" indent="0">
+              <a:buNone/>
+            </a:pPr>
+            <a:r>
+              <a:rPr lang="en-US" sz="1600" dirty="0">
+                <a:solidFill>
+                  <a:schemeClr val="bg1"/>
+                </a:solidFill>
+              </a:rPr>
+              <a:t>Una volta </a:t>
+            </a:r>
+            <a:r>
+              <a:rPr lang="en-US" sz="1600" dirty="0" err="1">
+                <a:solidFill>
+                  <a:schemeClr val="bg1"/>
+                </a:solidFill>
+              </a:rPr>
+              <a:t>che</a:t>
+            </a:r>
+            <a:r>
+              <a:rPr lang="en-US" sz="1600" dirty="0">
+                <a:solidFill>
+                  <a:schemeClr val="bg1"/>
+                </a:solidFill>
+              </a:rPr>
+              <a:t> </a:t>
+            </a:r>
+            <a:r>
+              <a:rPr lang="en-US" sz="1600" dirty="0" err="1">
+                <a:solidFill>
+                  <a:schemeClr val="bg1"/>
+                </a:solidFill>
+              </a:rPr>
+              <a:t>l’utente</a:t>
+            </a:r>
+            <a:r>
+              <a:rPr lang="en-US" sz="1600" dirty="0">
+                <a:solidFill>
+                  <a:schemeClr val="bg1"/>
+                </a:solidFill>
+              </a:rPr>
+              <a:t> ha </a:t>
+            </a:r>
+            <a:r>
+              <a:rPr lang="en-US" sz="1600" dirty="0" err="1">
+                <a:solidFill>
+                  <a:schemeClr val="bg1"/>
+                </a:solidFill>
+              </a:rPr>
+              <a:t>portato</a:t>
+            </a:r>
+            <a:r>
+              <a:rPr lang="en-US" sz="1600" dirty="0">
+                <a:solidFill>
+                  <a:schemeClr val="bg1"/>
+                </a:solidFill>
+              </a:rPr>
+              <a:t> a </a:t>
+            </a:r>
+            <a:r>
+              <a:rPr lang="en-US" sz="1600" dirty="0" err="1">
+                <a:solidFill>
+                  <a:schemeClr val="bg1"/>
+                </a:solidFill>
+              </a:rPr>
+              <a:t>termine</a:t>
+            </a:r>
+            <a:r>
+              <a:rPr lang="en-US" sz="1600" dirty="0">
+                <a:solidFill>
+                  <a:schemeClr val="bg1"/>
+                </a:solidFill>
+              </a:rPr>
+              <a:t> con </a:t>
+            </a:r>
+            <a:r>
+              <a:rPr lang="en-US" sz="1600" dirty="0" err="1">
+                <a:solidFill>
+                  <a:schemeClr val="bg1"/>
+                </a:solidFill>
+              </a:rPr>
+              <a:t>successo</a:t>
+            </a:r>
+            <a:r>
+              <a:rPr lang="en-US" sz="1600" dirty="0">
+                <a:solidFill>
+                  <a:schemeClr val="bg1"/>
+                </a:solidFill>
+              </a:rPr>
+              <a:t> la </a:t>
+            </a:r>
+            <a:r>
+              <a:rPr lang="en-US" sz="1600" dirty="0" err="1">
+                <a:solidFill>
+                  <a:schemeClr val="bg1"/>
+                </a:solidFill>
+              </a:rPr>
+              <a:t>registrazione</a:t>
+            </a:r>
+            <a:r>
+              <a:rPr lang="en-US" sz="1600" dirty="0">
+                <a:solidFill>
+                  <a:schemeClr val="bg1"/>
+                </a:solidFill>
+              </a:rPr>
+              <a:t> e decide di </a:t>
+            </a:r>
+            <a:r>
+              <a:rPr lang="en-US" sz="1600" dirty="0" err="1">
+                <a:solidFill>
+                  <a:schemeClr val="bg1"/>
+                </a:solidFill>
+              </a:rPr>
+              <a:t>effettuare</a:t>
+            </a:r>
+            <a:r>
+              <a:rPr lang="en-US" sz="1600" dirty="0">
+                <a:solidFill>
+                  <a:schemeClr val="bg1"/>
+                </a:solidFill>
+              </a:rPr>
+              <a:t> </a:t>
+            </a:r>
+            <a:r>
+              <a:rPr lang="en-US" sz="1600" dirty="0" err="1">
+                <a:solidFill>
+                  <a:schemeClr val="bg1"/>
+                </a:solidFill>
+              </a:rPr>
+              <a:t>l’accesso</a:t>
+            </a:r>
+            <a:r>
+              <a:rPr lang="en-US" sz="1600" dirty="0">
+                <a:solidFill>
+                  <a:schemeClr val="bg1"/>
+                </a:solidFill>
+              </a:rPr>
+              <a:t> al </a:t>
+            </a:r>
+            <a:r>
+              <a:rPr lang="en-US" sz="1600" dirty="0" err="1">
+                <a:solidFill>
+                  <a:schemeClr val="bg1"/>
+                </a:solidFill>
+              </a:rPr>
+              <a:t>gioco</a:t>
+            </a:r>
+            <a:r>
+              <a:rPr lang="en-US" sz="1600" dirty="0">
+                <a:solidFill>
+                  <a:schemeClr val="bg1"/>
+                </a:solidFill>
+              </a:rPr>
+              <a:t> lo </a:t>
+            </a:r>
+            <a:r>
+              <a:rPr lang="en-US" sz="1600" dirty="0" err="1">
+                <a:solidFill>
+                  <a:schemeClr val="bg1"/>
+                </a:solidFill>
+              </a:rPr>
+              <a:t>potrà</a:t>
+            </a:r>
+            <a:r>
+              <a:rPr lang="en-US" sz="1600" dirty="0">
+                <a:solidFill>
+                  <a:schemeClr val="bg1"/>
+                </a:solidFill>
+              </a:rPr>
+              <a:t> fare </a:t>
+            </a:r>
+            <a:r>
+              <a:rPr lang="en-US" sz="1600" dirty="0" err="1">
+                <a:solidFill>
+                  <a:schemeClr val="bg1"/>
+                </a:solidFill>
+              </a:rPr>
+              <a:t>tramite</a:t>
+            </a:r>
+            <a:r>
+              <a:rPr lang="en-US" sz="1600" dirty="0">
+                <a:solidFill>
+                  <a:schemeClr val="bg1"/>
+                </a:solidFill>
+              </a:rPr>
+              <a:t> la </a:t>
+            </a:r>
+            <a:r>
+              <a:rPr lang="en-US" sz="1600" dirty="0" err="1">
+                <a:solidFill>
+                  <a:schemeClr val="bg1"/>
+                </a:solidFill>
+              </a:rPr>
+              <a:t>sezione</a:t>
+            </a:r>
+            <a:r>
+              <a:rPr lang="en-US" sz="1600" dirty="0">
+                <a:solidFill>
+                  <a:schemeClr val="bg1"/>
+                </a:solidFill>
+              </a:rPr>
+              <a:t> ‘</a:t>
+            </a:r>
+            <a:r>
+              <a:rPr lang="en-US" sz="1600" dirty="0" err="1">
+                <a:solidFill>
+                  <a:schemeClr val="bg1"/>
+                </a:solidFill>
+              </a:rPr>
+              <a:t>Accedi</a:t>
+            </a:r>
+            <a:r>
+              <a:rPr lang="en-US" sz="1600" dirty="0">
+                <a:solidFill>
+                  <a:schemeClr val="bg1"/>
+                </a:solidFill>
+              </a:rPr>
+              <a:t>’.</a:t>
+            </a:r>
+          </a:p>
+          <a:p>
+            <a:pPr marL="0" indent="0">
+              <a:buNone/>
+            </a:pPr>
+            <a:endParaRPr lang="en-US" sz="1600" dirty="0">
+              <a:solidFill>
+                <a:schemeClr val="bg1"/>
+              </a:solidFill>
+            </a:endParaRPr>
+          </a:p>
+          <a:p>
+            <a:pPr marL="0" indent="0">
+              <a:buNone/>
+            </a:pPr>
+            <a:endParaRPr lang="en-US" sz="1600" dirty="0">
+              <a:solidFill>
+                <a:schemeClr val="bg1"/>
+              </a:solidFill>
+            </a:endParaRPr>
+          </a:p>
+          <a:p>
+            <a:pPr>
+              <a:buFont typeface="Wingdings" panose="05000000000000000000" pitchFamily="2" charset="2"/>
+              <a:buChar char="q"/>
+            </a:pPr>
+            <a:r>
+              <a:rPr lang="en-US" sz="1900" b="1" dirty="0" err="1">
+                <a:solidFill>
+                  <a:schemeClr val="bg1"/>
+                </a:solidFill>
+              </a:rPr>
+              <a:t>Accedi</a:t>
+            </a:r>
+            <a:r>
+              <a:rPr lang="en-US" sz="1900" b="1" dirty="0">
+                <a:solidFill>
+                  <a:schemeClr val="bg1"/>
+                </a:solidFill>
+              </a:rPr>
+              <a:t> ok: </a:t>
+            </a:r>
+            <a:r>
+              <a:rPr lang="en-US" sz="1600" dirty="0" err="1">
+                <a:solidFill>
+                  <a:schemeClr val="bg1"/>
+                </a:solidFill>
+              </a:rPr>
+              <a:t>l’utente</a:t>
+            </a:r>
+            <a:r>
+              <a:rPr lang="en-US" sz="1600" dirty="0">
+                <a:solidFill>
+                  <a:schemeClr val="bg1"/>
+                </a:solidFill>
+              </a:rPr>
+              <a:t> </a:t>
+            </a:r>
+            <a:r>
+              <a:rPr lang="en-US" sz="1600" dirty="0" err="1">
+                <a:solidFill>
+                  <a:schemeClr val="bg1"/>
+                </a:solidFill>
+              </a:rPr>
+              <a:t>potrà</a:t>
+            </a:r>
+            <a:r>
+              <a:rPr lang="en-US" sz="1600" dirty="0">
+                <a:solidFill>
+                  <a:schemeClr val="bg1"/>
+                </a:solidFill>
+              </a:rPr>
+              <a:t> </a:t>
+            </a:r>
+            <a:r>
+              <a:rPr lang="en-US" sz="1600" dirty="0" err="1">
+                <a:solidFill>
+                  <a:schemeClr val="bg1"/>
+                </a:solidFill>
+              </a:rPr>
+              <a:t>accedere</a:t>
+            </a:r>
+            <a:r>
+              <a:rPr lang="en-US" sz="1600" dirty="0">
+                <a:solidFill>
+                  <a:schemeClr val="bg1"/>
+                </a:solidFill>
+              </a:rPr>
+              <a:t> al </a:t>
+            </a:r>
+            <a:r>
+              <a:rPr lang="en-US" sz="1600" dirty="0" err="1">
+                <a:solidFill>
+                  <a:schemeClr val="bg1"/>
+                </a:solidFill>
+              </a:rPr>
+              <a:t>gioco</a:t>
+            </a:r>
+            <a:r>
+              <a:rPr lang="en-US" sz="1600" dirty="0">
+                <a:solidFill>
+                  <a:schemeClr val="bg1"/>
+                </a:solidFill>
+              </a:rPr>
+              <a:t> </a:t>
+            </a:r>
+            <a:r>
+              <a:rPr lang="en-US" sz="1600" dirty="0" err="1">
+                <a:solidFill>
+                  <a:schemeClr val="bg1"/>
+                </a:solidFill>
+              </a:rPr>
+              <a:t>inserendo</a:t>
+            </a:r>
+            <a:r>
+              <a:rPr lang="en-US" sz="1600" dirty="0">
+                <a:solidFill>
+                  <a:schemeClr val="bg1"/>
+                </a:solidFill>
+              </a:rPr>
+              <a:t> la </a:t>
+            </a:r>
+          </a:p>
+          <a:p>
+            <a:pPr marL="0" indent="0">
+              <a:buNone/>
+            </a:pPr>
+            <a:r>
+              <a:rPr lang="en-US" sz="1600" dirty="0">
+                <a:solidFill>
+                  <a:schemeClr val="bg1"/>
+                </a:solidFill>
+              </a:rPr>
+              <a:t>     mail e la Password </a:t>
+            </a:r>
+            <a:r>
+              <a:rPr lang="en-US" sz="1600" dirty="0" err="1">
+                <a:solidFill>
+                  <a:schemeClr val="bg1"/>
+                </a:solidFill>
+              </a:rPr>
+              <a:t>scelte</a:t>
+            </a:r>
+            <a:r>
+              <a:rPr lang="en-US" sz="1600" dirty="0">
+                <a:solidFill>
+                  <a:schemeClr val="bg1"/>
+                </a:solidFill>
+              </a:rPr>
+              <a:t> in </a:t>
+            </a:r>
+            <a:r>
+              <a:rPr lang="en-US" sz="1600" dirty="0" err="1">
+                <a:solidFill>
+                  <a:schemeClr val="bg1"/>
+                </a:solidFill>
+              </a:rPr>
+              <a:t>fase</a:t>
+            </a:r>
+            <a:r>
+              <a:rPr lang="en-US" sz="1600" dirty="0">
+                <a:solidFill>
+                  <a:schemeClr val="bg1"/>
+                </a:solidFill>
+              </a:rPr>
+              <a:t> di </a:t>
+            </a:r>
+            <a:r>
+              <a:rPr lang="en-US" sz="1600" dirty="0" err="1">
+                <a:solidFill>
+                  <a:schemeClr val="bg1"/>
+                </a:solidFill>
+              </a:rPr>
+              <a:t>Registrazione</a:t>
+            </a:r>
+            <a:r>
+              <a:rPr lang="en-US" sz="1600" dirty="0">
+                <a:solidFill>
+                  <a:schemeClr val="bg1"/>
+                </a:solidFill>
+              </a:rPr>
+              <a:t>. </a:t>
+            </a:r>
+          </a:p>
+          <a:p>
+            <a:pPr marL="0" indent="0">
+              <a:buNone/>
+            </a:pPr>
+            <a:r>
+              <a:rPr lang="en-US" sz="1600" dirty="0">
+                <a:solidFill>
+                  <a:schemeClr val="bg1"/>
+                </a:solidFill>
+              </a:rPr>
+              <a:t>     Nel </a:t>
+            </a:r>
+            <a:r>
+              <a:rPr lang="en-US" sz="1600" dirty="0" err="1">
+                <a:solidFill>
+                  <a:schemeClr val="bg1"/>
+                </a:solidFill>
+              </a:rPr>
+              <a:t>momento</a:t>
+            </a:r>
+            <a:r>
+              <a:rPr lang="en-US" sz="1600" dirty="0">
+                <a:solidFill>
+                  <a:schemeClr val="bg1"/>
+                </a:solidFill>
+              </a:rPr>
+              <a:t> in cui </a:t>
+            </a:r>
+            <a:r>
+              <a:rPr lang="en-US" sz="1600" dirty="0" err="1">
+                <a:solidFill>
+                  <a:schemeClr val="bg1"/>
+                </a:solidFill>
+              </a:rPr>
+              <a:t>l’accesso</a:t>
+            </a:r>
+            <a:r>
+              <a:rPr lang="en-US" sz="1600" dirty="0">
+                <a:solidFill>
+                  <a:schemeClr val="bg1"/>
+                </a:solidFill>
+              </a:rPr>
+              <a:t> </a:t>
+            </a:r>
+            <a:r>
+              <a:rPr lang="en-US" sz="1600" dirty="0" err="1">
+                <a:solidFill>
+                  <a:schemeClr val="bg1"/>
+                </a:solidFill>
+              </a:rPr>
+              <a:t>sarà</a:t>
+            </a:r>
+            <a:r>
+              <a:rPr lang="en-US" sz="1600" dirty="0">
+                <a:solidFill>
+                  <a:schemeClr val="bg1"/>
+                </a:solidFill>
+              </a:rPr>
+              <a:t> </a:t>
+            </a:r>
+            <a:r>
+              <a:rPr lang="en-US" sz="1600" dirty="0" err="1">
+                <a:solidFill>
+                  <a:schemeClr val="bg1"/>
+                </a:solidFill>
+              </a:rPr>
+              <a:t>consentito</a:t>
+            </a:r>
+            <a:r>
+              <a:rPr lang="en-US" sz="1600" dirty="0">
+                <a:solidFill>
+                  <a:schemeClr val="bg1"/>
+                </a:solidFill>
+              </a:rPr>
+              <a:t> in </a:t>
+            </a:r>
+            <a:r>
+              <a:rPr lang="en-US" sz="1600" dirty="0" err="1">
+                <a:solidFill>
+                  <a:schemeClr val="bg1"/>
+                </a:solidFill>
+              </a:rPr>
+              <a:t>seguito</a:t>
+            </a:r>
+            <a:r>
+              <a:rPr lang="en-US" sz="1600" dirty="0">
+                <a:solidFill>
+                  <a:schemeClr val="bg1"/>
+                </a:solidFill>
+              </a:rPr>
+              <a:t> al </a:t>
+            </a:r>
+          </a:p>
+          <a:p>
+            <a:pPr marL="0" indent="0">
+              <a:buNone/>
+            </a:pPr>
+            <a:r>
+              <a:rPr lang="en-US" sz="1600" dirty="0">
+                <a:solidFill>
+                  <a:schemeClr val="bg1"/>
+                </a:solidFill>
+              </a:rPr>
+              <a:t>     </a:t>
+            </a:r>
+            <a:r>
+              <a:rPr lang="en-US" sz="1600" dirty="0" err="1">
+                <a:solidFill>
+                  <a:schemeClr val="bg1"/>
+                </a:solidFill>
+              </a:rPr>
+              <a:t>corretto</a:t>
+            </a:r>
+            <a:r>
+              <a:rPr lang="en-US" sz="1600" dirty="0">
+                <a:solidFill>
+                  <a:schemeClr val="bg1"/>
+                </a:solidFill>
+              </a:rPr>
+              <a:t> </a:t>
+            </a:r>
+            <a:r>
+              <a:rPr lang="en-US" sz="1600" dirty="0" err="1">
+                <a:solidFill>
+                  <a:schemeClr val="bg1"/>
+                </a:solidFill>
+              </a:rPr>
+              <a:t>inserimento</a:t>
+            </a:r>
+            <a:r>
+              <a:rPr lang="en-US" sz="1600" dirty="0">
+                <a:solidFill>
+                  <a:schemeClr val="bg1"/>
+                </a:solidFill>
+              </a:rPr>
+              <a:t> </a:t>
+            </a:r>
+            <a:r>
+              <a:rPr lang="en-US" sz="1600" dirty="0" err="1">
+                <a:solidFill>
+                  <a:schemeClr val="bg1"/>
+                </a:solidFill>
+              </a:rPr>
+              <a:t>dei</a:t>
+            </a:r>
+            <a:r>
+              <a:rPr lang="en-US" sz="1600" dirty="0">
+                <a:solidFill>
+                  <a:schemeClr val="bg1"/>
+                </a:solidFill>
+              </a:rPr>
+              <a:t> </a:t>
+            </a:r>
+            <a:r>
+              <a:rPr lang="en-US" sz="1600" dirty="0" err="1">
+                <a:solidFill>
+                  <a:schemeClr val="bg1"/>
+                </a:solidFill>
+              </a:rPr>
+              <a:t>dati</a:t>
+            </a:r>
+            <a:r>
+              <a:rPr lang="en-US" sz="1600" dirty="0">
+                <a:solidFill>
+                  <a:schemeClr val="bg1"/>
+                </a:solidFill>
+              </a:rPr>
+              <a:t> </a:t>
+            </a:r>
+            <a:r>
+              <a:rPr lang="en-US" sz="1600" dirty="0" err="1">
+                <a:solidFill>
+                  <a:schemeClr val="bg1"/>
+                </a:solidFill>
+              </a:rPr>
+              <a:t>richiesti</a:t>
+            </a:r>
+            <a:r>
+              <a:rPr lang="en-US" sz="1600" dirty="0">
+                <a:solidFill>
+                  <a:schemeClr val="bg1"/>
+                </a:solidFill>
+              </a:rPr>
+              <a:t> </a:t>
+            </a:r>
+            <a:r>
+              <a:rPr lang="en-US" sz="1600" dirty="0" err="1">
+                <a:solidFill>
+                  <a:schemeClr val="bg1"/>
+                </a:solidFill>
+              </a:rPr>
+              <a:t>l’utente</a:t>
+            </a:r>
+            <a:r>
+              <a:rPr lang="en-US" sz="1600" dirty="0">
+                <a:solidFill>
+                  <a:schemeClr val="bg1"/>
+                </a:solidFill>
+              </a:rPr>
+              <a:t> </a:t>
+            </a:r>
+            <a:r>
+              <a:rPr lang="en-US" sz="1600" dirty="0" err="1">
+                <a:solidFill>
+                  <a:schemeClr val="bg1"/>
+                </a:solidFill>
+              </a:rPr>
+              <a:t>sarà</a:t>
+            </a:r>
+            <a:r>
+              <a:rPr lang="en-US" sz="1600" dirty="0">
+                <a:solidFill>
+                  <a:schemeClr val="bg1"/>
+                </a:solidFill>
+              </a:rPr>
+              <a:t> </a:t>
+            </a:r>
+            <a:r>
+              <a:rPr lang="en-US" sz="1600" dirty="0" err="1">
+                <a:solidFill>
+                  <a:schemeClr val="bg1"/>
+                </a:solidFill>
+              </a:rPr>
+              <a:t>indirizzato</a:t>
+            </a:r>
+            <a:r>
+              <a:rPr lang="en-US" sz="1600" dirty="0">
+                <a:solidFill>
+                  <a:schemeClr val="bg1"/>
+                </a:solidFill>
+              </a:rPr>
+              <a:t> </a:t>
+            </a:r>
+          </a:p>
+          <a:p>
+            <a:pPr marL="0" indent="0">
+              <a:buNone/>
+            </a:pPr>
+            <a:r>
+              <a:rPr lang="en-US" sz="1600" dirty="0">
+                <a:solidFill>
+                  <a:schemeClr val="bg1"/>
+                </a:solidFill>
+              </a:rPr>
+              <a:t>     </a:t>
+            </a:r>
+            <a:r>
+              <a:rPr lang="en-US" sz="1600" dirty="0" err="1">
+                <a:solidFill>
+                  <a:schemeClr val="bg1"/>
+                </a:solidFill>
+              </a:rPr>
+              <a:t>alla</a:t>
+            </a:r>
+            <a:r>
+              <a:rPr lang="en-US" sz="1600" dirty="0">
+                <a:solidFill>
+                  <a:schemeClr val="bg1"/>
+                </a:solidFill>
+              </a:rPr>
+              <a:t> home del </a:t>
+            </a:r>
+            <a:r>
+              <a:rPr lang="en-US" sz="1600" dirty="0" err="1">
+                <a:solidFill>
+                  <a:schemeClr val="bg1"/>
+                </a:solidFill>
+              </a:rPr>
+              <a:t>gioco</a:t>
+            </a:r>
+            <a:r>
+              <a:rPr lang="en-US" sz="1600" dirty="0">
+                <a:solidFill>
+                  <a:schemeClr val="bg1"/>
+                </a:solidFill>
+              </a:rPr>
+              <a:t>.</a:t>
+            </a:r>
+          </a:p>
+          <a:p>
+            <a:pPr marL="0" indent="0">
+              <a:buNone/>
+            </a:pPr>
+            <a:endParaRPr lang="en-US" sz="1600" dirty="0">
+              <a:solidFill>
+                <a:schemeClr val="bg1"/>
+              </a:solidFill>
+            </a:endParaRPr>
+          </a:p>
+          <a:p>
+            <a:pPr marL="0" indent="0">
+              <a:buNone/>
+            </a:pPr>
+            <a:endParaRPr lang="en-US" sz="1600" dirty="0">
+              <a:solidFill>
+                <a:schemeClr val="bg1"/>
+              </a:solidFill>
+            </a:endParaRPr>
+          </a:p>
+          <a:p>
+            <a:pPr>
+              <a:buFont typeface="Wingdings" panose="05000000000000000000" pitchFamily="2" charset="2"/>
+              <a:buChar char="q"/>
+            </a:pPr>
+            <a:r>
+              <a:rPr lang="en-US" sz="1900" b="1" dirty="0" err="1">
+                <a:solidFill>
+                  <a:schemeClr val="bg1"/>
+                </a:solidFill>
+              </a:rPr>
+              <a:t>Accedi</a:t>
+            </a:r>
+            <a:r>
+              <a:rPr lang="en-US" sz="1900" b="1" dirty="0">
+                <a:solidFill>
+                  <a:schemeClr val="bg1"/>
+                </a:solidFill>
+              </a:rPr>
+              <a:t> ko: </a:t>
+            </a:r>
+            <a:r>
+              <a:rPr lang="en-US" sz="1600" dirty="0">
+                <a:solidFill>
+                  <a:schemeClr val="bg1"/>
+                </a:solidFill>
+              </a:rPr>
+              <a:t>se </a:t>
+            </a:r>
+            <a:r>
+              <a:rPr lang="en-US" sz="1600" dirty="0" err="1">
+                <a:solidFill>
+                  <a:schemeClr val="bg1"/>
+                </a:solidFill>
+              </a:rPr>
+              <a:t>l’utente</a:t>
+            </a:r>
+            <a:r>
+              <a:rPr lang="en-US" sz="1600" dirty="0">
+                <a:solidFill>
+                  <a:schemeClr val="bg1"/>
+                </a:solidFill>
+              </a:rPr>
+              <a:t> </a:t>
+            </a:r>
+            <a:r>
+              <a:rPr lang="en-US" sz="1600" dirty="0" err="1">
+                <a:solidFill>
+                  <a:schemeClr val="bg1"/>
+                </a:solidFill>
+              </a:rPr>
+              <a:t>inserisce</a:t>
+            </a:r>
+            <a:r>
+              <a:rPr lang="en-US" sz="1600" dirty="0">
+                <a:solidFill>
+                  <a:schemeClr val="bg1"/>
+                </a:solidFill>
+              </a:rPr>
+              <a:t> email e/o password </a:t>
+            </a:r>
+            <a:r>
+              <a:rPr lang="en-US" sz="1600" dirty="0" err="1">
+                <a:solidFill>
+                  <a:schemeClr val="bg1"/>
+                </a:solidFill>
+              </a:rPr>
+              <a:t>errate</a:t>
+            </a:r>
+            <a:endParaRPr lang="en-US" sz="1600" dirty="0">
+              <a:solidFill>
+                <a:schemeClr val="bg1"/>
+              </a:solidFill>
+            </a:endParaRPr>
+          </a:p>
+          <a:p>
+            <a:pPr marL="0" indent="0">
+              <a:buNone/>
+            </a:pPr>
+            <a:r>
+              <a:rPr lang="en-US" sz="1600" dirty="0">
+                <a:solidFill>
+                  <a:schemeClr val="bg1"/>
+                </a:solidFill>
+              </a:rPr>
+              <a:t>      </a:t>
+            </a:r>
+            <a:r>
+              <a:rPr lang="en-US" sz="1600" dirty="0" err="1">
+                <a:solidFill>
+                  <a:schemeClr val="bg1"/>
+                </a:solidFill>
+              </a:rPr>
+              <a:t>verrà</a:t>
+            </a:r>
+            <a:r>
+              <a:rPr lang="en-US" sz="1600" dirty="0">
+                <a:solidFill>
+                  <a:schemeClr val="bg1"/>
+                </a:solidFill>
+              </a:rPr>
+              <a:t> </a:t>
+            </a:r>
+            <a:r>
+              <a:rPr lang="en-US" sz="1600" dirty="0" err="1">
+                <a:solidFill>
+                  <a:schemeClr val="bg1"/>
+                </a:solidFill>
+              </a:rPr>
+              <a:t>proposto</a:t>
+            </a:r>
+            <a:r>
+              <a:rPr lang="en-US" sz="1600" dirty="0">
+                <a:solidFill>
+                  <a:schemeClr val="bg1"/>
+                </a:solidFill>
+              </a:rPr>
+              <a:t> un </a:t>
+            </a:r>
+            <a:r>
+              <a:rPr lang="en-US" sz="1600" dirty="0" err="1">
+                <a:solidFill>
+                  <a:schemeClr val="bg1"/>
+                </a:solidFill>
+              </a:rPr>
+              <a:t>messaggio</a:t>
+            </a:r>
+            <a:r>
+              <a:rPr lang="en-US" sz="1600" dirty="0">
+                <a:solidFill>
+                  <a:schemeClr val="bg1"/>
+                </a:solidFill>
+              </a:rPr>
+              <a:t> di </a:t>
+            </a:r>
+            <a:r>
+              <a:rPr lang="en-US" sz="1600" dirty="0" err="1">
+                <a:solidFill>
+                  <a:schemeClr val="bg1"/>
+                </a:solidFill>
+              </a:rPr>
+              <a:t>errore</a:t>
+            </a:r>
+            <a:r>
+              <a:rPr lang="en-US" sz="1600" dirty="0">
+                <a:solidFill>
+                  <a:schemeClr val="bg1"/>
+                </a:solidFill>
+              </a:rPr>
+              <a:t> e </a:t>
+            </a:r>
+            <a:r>
+              <a:rPr lang="en-US" sz="1600" dirty="0" err="1">
+                <a:solidFill>
+                  <a:schemeClr val="bg1"/>
+                </a:solidFill>
+              </a:rPr>
+              <a:t>sarà</a:t>
+            </a:r>
+            <a:r>
+              <a:rPr lang="en-US" sz="1600" dirty="0">
+                <a:solidFill>
+                  <a:schemeClr val="bg1"/>
+                </a:solidFill>
+              </a:rPr>
+              <a:t> </a:t>
+            </a:r>
+            <a:r>
+              <a:rPr lang="en-US" sz="1600" dirty="0" err="1">
+                <a:solidFill>
+                  <a:schemeClr val="bg1"/>
+                </a:solidFill>
+              </a:rPr>
+              <a:t>necessario</a:t>
+            </a:r>
+            <a:r>
+              <a:rPr lang="en-US" sz="1600" dirty="0">
+                <a:solidFill>
+                  <a:schemeClr val="bg1"/>
+                </a:solidFill>
+              </a:rPr>
+              <a:t> </a:t>
+            </a:r>
+          </a:p>
+          <a:p>
+            <a:pPr marL="0" indent="0">
+              <a:buNone/>
+            </a:pPr>
+            <a:r>
+              <a:rPr lang="en-US" sz="1600" dirty="0">
+                <a:solidFill>
+                  <a:schemeClr val="bg1"/>
+                </a:solidFill>
+              </a:rPr>
+              <a:t>      </a:t>
+            </a:r>
+            <a:r>
+              <a:rPr lang="en-US" sz="1600" dirty="0" err="1">
+                <a:solidFill>
+                  <a:schemeClr val="bg1"/>
+                </a:solidFill>
+              </a:rPr>
+              <a:t>inserire</a:t>
+            </a:r>
+            <a:r>
+              <a:rPr lang="en-US" sz="1600" dirty="0">
+                <a:solidFill>
+                  <a:schemeClr val="bg1"/>
+                </a:solidFill>
+              </a:rPr>
+              <a:t> I </a:t>
+            </a:r>
+            <a:r>
+              <a:rPr lang="en-US" sz="1600" dirty="0" err="1">
+                <a:solidFill>
+                  <a:schemeClr val="bg1"/>
+                </a:solidFill>
+              </a:rPr>
+              <a:t>dati</a:t>
+            </a:r>
+            <a:r>
+              <a:rPr lang="en-US" sz="1600" dirty="0">
+                <a:solidFill>
+                  <a:schemeClr val="bg1"/>
+                </a:solidFill>
+              </a:rPr>
+              <a:t> </a:t>
+            </a:r>
+            <a:r>
+              <a:rPr lang="en-US" sz="1600" dirty="0" err="1">
+                <a:solidFill>
+                  <a:schemeClr val="bg1"/>
+                </a:solidFill>
+              </a:rPr>
+              <a:t>corretti</a:t>
+            </a:r>
+            <a:r>
+              <a:rPr lang="en-US" sz="1600" dirty="0">
+                <a:solidFill>
+                  <a:schemeClr val="bg1"/>
+                </a:solidFill>
+              </a:rPr>
+              <a:t> per </a:t>
+            </a:r>
+            <a:r>
+              <a:rPr lang="en-US" sz="1600" dirty="0" err="1">
+                <a:solidFill>
+                  <a:schemeClr val="bg1"/>
+                </a:solidFill>
+              </a:rPr>
+              <a:t>poter</a:t>
+            </a:r>
+            <a:r>
+              <a:rPr lang="en-US" sz="1600" dirty="0">
+                <a:solidFill>
+                  <a:schemeClr val="bg1"/>
+                </a:solidFill>
+              </a:rPr>
+              <a:t> </a:t>
+            </a:r>
+            <a:r>
+              <a:rPr lang="en-US" sz="1600" dirty="0" err="1">
+                <a:solidFill>
+                  <a:schemeClr val="bg1"/>
+                </a:solidFill>
+              </a:rPr>
+              <a:t>accedere</a:t>
+            </a:r>
+            <a:r>
+              <a:rPr lang="en-US" sz="1600" dirty="0">
+                <a:solidFill>
+                  <a:schemeClr val="bg1"/>
+                </a:solidFill>
+              </a:rPr>
+              <a:t> ed </a:t>
+            </a:r>
+            <a:r>
+              <a:rPr lang="en-US" sz="1600" dirty="0" err="1">
+                <a:solidFill>
+                  <a:schemeClr val="bg1"/>
+                </a:solidFill>
+              </a:rPr>
+              <a:t>essere</a:t>
+            </a:r>
+            <a:r>
+              <a:rPr lang="en-US" sz="1600" dirty="0">
+                <a:solidFill>
+                  <a:schemeClr val="bg1"/>
+                </a:solidFill>
+              </a:rPr>
+              <a:t> </a:t>
+            </a:r>
+            <a:r>
+              <a:rPr lang="en-US" sz="1600" dirty="0" err="1">
+                <a:solidFill>
+                  <a:schemeClr val="bg1"/>
+                </a:solidFill>
+              </a:rPr>
+              <a:t>indirizzati</a:t>
+            </a:r>
+            <a:r>
+              <a:rPr lang="en-US" sz="1600" dirty="0">
+                <a:solidFill>
+                  <a:schemeClr val="bg1"/>
+                </a:solidFill>
+              </a:rPr>
+              <a:t> </a:t>
+            </a:r>
+            <a:r>
+              <a:rPr lang="en-US" sz="1600" dirty="0" err="1">
+                <a:solidFill>
+                  <a:schemeClr val="bg1"/>
+                </a:solidFill>
+              </a:rPr>
+              <a:t>alla</a:t>
+            </a:r>
+            <a:r>
+              <a:rPr lang="en-US" sz="1600" dirty="0">
+                <a:solidFill>
+                  <a:schemeClr val="bg1"/>
+                </a:solidFill>
+              </a:rPr>
+              <a:t> </a:t>
+            </a:r>
+          </a:p>
+          <a:p>
+            <a:pPr marL="0" indent="0">
+              <a:buNone/>
+            </a:pPr>
+            <a:r>
+              <a:rPr lang="en-US" sz="1600" dirty="0">
+                <a:solidFill>
+                  <a:schemeClr val="bg1"/>
+                </a:solidFill>
+              </a:rPr>
+              <a:t>      homepage.</a:t>
+            </a:r>
+          </a:p>
+          <a:p>
+            <a:pPr marL="0" indent="0">
+              <a:buNone/>
+            </a:pPr>
+            <a:endParaRPr lang="en-US" sz="1600" dirty="0">
+              <a:solidFill>
+                <a:schemeClr val="bg1"/>
+              </a:solidFill>
+            </a:endParaRPr>
+          </a:p>
+          <a:p>
+            <a:pPr marL="0" indent="0">
+              <a:buNone/>
+            </a:pPr>
+            <a:endParaRPr lang="en-US" sz="1600" dirty="0">
+              <a:solidFill>
+                <a:schemeClr val="bg1"/>
+              </a:solidFill>
+            </a:endParaRPr>
+          </a:p>
+          <a:p>
+            <a:pPr marL="0" indent="0">
+              <a:buNone/>
+            </a:pPr>
+            <a:endParaRPr lang="en-US" sz="1600" dirty="0">
+              <a:solidFill>
+                <a:schemeClr val="bg1"/>
+              </a:solidFill>
+            </a:endParaRPr>
+          </a:p>
+          <a:p>
+            <a:pPr marL="0" indent="0">
+              <a:buNone/>
+            </a:pPr>
+            <a:endParaRPr lang="en-US" sz="1600" dirty="0">
+              <a:solidFill>
+                <a:schemeClr val="bg1"/>
+              </a:solidFill>
+            </a:endParaRPr>
+          </a:p>
+          <a:p>
+            <a:pPr marL="0" indent="0">
+              <a:buNone/>
+            </a:pPr>
+            <a:endParaRPr lang="en-US" sz="1600" dirty="0">
+              <a:solidFill>
+                <a:schemeClr val="bg1"/>
+              </a:solidFill>
+            </a:endParaRPr>
+          </a:p>
+        </p:txBody>
+      </p:sp>
+      <p:pic>
+        <p:nvPicPr>
+          <p:cNvPr id="10" name="Segnaposto contenuto 9">
+            <a:extLst>
+              <a:ext uri="{FF2B5EF4-FFF2-40B4-BE49-F238E27FC236}">
+                <a16:creationId xmlns:a16="http://schemas.microsoft.com/office/drawing/2014/main" id="{275ABDE4-E095-428E-ADEE-2FC9F79FE546}"/>
+              </a:ext>
+            </a:extLst>
+          </p:cNvPr>
+          <p:cNvPicPr>
+            <a:picLocks noGrp="1" noChangeAspect="1"/>
+          </p:cNvPicPr>
+          <p:nvPr>
+            <p:ph sz="half" idx="1"/>
+          </p:nvPr>
+        </p:nvPicPr>
+        <p:blipFill>
+          <a:blip r:embed="rId3" cstate="print">
+            <a:extLst>
+              <a:ext uri="{28A0092B-C50C-407E-A947-70E740481C1C}">
+                <a14:useLocalDpi xmlns:a14="http://schemas.microsoft.com/office/drawing/2010/main" val="0"/>
+              </a:ext>
+            </a:extLst>
+          </a:blip>
+          <a:stretch>
+            <a:fillRect/>
+          </a:stretch>
+        </p:blipFill>
+        <p:spPr>
+          <a:xfrm>
+            <a:off x="6948264" y="1412776"/>
+            <a:ext cx="1440160" cy="2442826"/>
+          </a:xfrm>
+        </p:spPr>
+      </p:pic>
+      <p:sp>
+        <p:nvSpPr>
+          <p:cNvPr id="13" name="Ovale 12">
+            <a:extLst>
+              <a:ext uri="{FF2B5EF4-FFF2-40B4-BE49-F238E27FC236}">
+                <a16:creationId xmlns:a16="http://schemas.microsoft.com/office/drawing/2014/main" id="{F7ED6F92-0F6E-432A-8AAD-C8A6FED798A4}"/>
+              </a:ext>
+            </a:extLst>
+          </p:cNvPr>
+          <p:cNvSpPr/>
+          <p:nvPr/>
+        </p:nvSpPr>
+        <p:spPr>
+          <a:xfrm>
+            <a:off x="7020272" y="1700808"/>
+            <a:ext cx="720080" cy="288032"/>
+          </a:xfrm>
+          <a:prstGeom prst="ellipse">
+            <a:avLst/>
+          </a:prstGeom>
+          <a:noFill/>
+          <a:ln>
+            <a:solidFill>
+              <a:srgbClr val="C00000"/>
+            </a:solidFill>
+          </a:ln>
+        </p:spPr>
+        <p:style>
+          <a:lnRef idx="2">
+            <a:schemeClr val="accent1">
+              <a:shade val="50000"/>
+            </a:schemeClr>
+          </a:lnRef>
+          <a:fillRef idx="1">
+            <a:schemeClr val="accent1"/>
+          </a:fillRef>
+          <a:effectRef idx="0">
+            <a:schemeClr val="accent1"/>
+          </a:effectRef>
+          <a:fontRef idx="minor">
+            <a:schemeClr val="lt1"/>
+          </a:fontRef>
+        </p:style>
+        <p:txBody>
+          <a:bodyPr rtlCol="0" anchor="ctr"/>
+          <a:lstStyle/>
+          <a:p>
+            <a:pPr algn="ctr"/>
+            <a:endParaRPr lang="en-GB"/>
+          </a:p>
+        </p:txBody>
+      </p:sp>
+      <p:pic>
+        <p:nvPicPr>
+          <p:cNvPr id="16" name="Immagine 2">
+            <a:extLst>
+              <a:ext uri="{FF2B5EF4-FFF2-40B4-BE49-F238E27FC236}">
+                <a16:creationId xmlns:a16="http://schemas.microsoft.com/office/drawing/2014/main" id="{9C264BD5-6D40-412B-BF9E-775AE6C113A0}"/>
+              </a:ext>
+            </a:extLst>
+          </p:cNvPr>
+          <p:cNvPicPr>
+            <a:picLocks noChangeAspect="1" noChangeArrowheads="1"/>
+          </p:cNvPicPr>
+          <p:nvPr/>
+        </p:nvPicPr>
+        <p:blipFill>
+          <a:blip r:embed="rId4" cstate="print">
+            <a:extLst>
+              <a:ext uri="{28A0092B-C50C-407E-A947-70E740481C1C}">
+                <a14:useLocalDpi xmlns:a14="http://schemas.microsoft.com/office/drawing/2010/main" val="0"/>
+              </a:ext>
+            </a:extLst>
+          </a:blip>
+          <a:srcRect/>
+          <a:stretch>
+            <a:fillRect/>
+          </a:stretch>
+        </p:blipFill>
+        <p:spPr bwMode="auto">
+          <a:xfrm>
+            <a:off x="467544" y="228872"/>
+            <a:ext cx="288032" cy="282031"/>
+          </a:xfrm>
+          <a:prstGeom prst="rect">
+            <a:avLst/>
+          </a:prstGeom>
+          <a:noFill/>
+          <a:ln>
+            <a:noFill/>
+          </a:ln>
+          <a:extLst>
+            <a:ext uri="{909E8E84-426E-40DD-AFC4-6F175D3DCCD1}">
+              <a14:hiddenFill xmlns:a14="http://schemas.microsoft.com/office/drawing/2010/main">
+                <a:solidFill>
+                  <a:srgbClr val="FFFFFF"/>
+                </a:solidFill>
+              </a14:hiddenFill>
+            </a:ext>
+            <a:ext uri="{91240B29-F687-4F45-9708-019B960494DF}">
+              <a14:hiddenLine xmlns:a14="http://schemas.microsoft.com/office/drawing/2010/main" w="9525">
+                <a:solidFill>
+                  <a:srgbClr val="000000"/>
+                </a:solidFill>
+                <a:miter lim="800000"/>
+                <a:headEnd/>
+                <a:tailEnd/>
+              </a14:hiddenLine>
+            </a:ext>
+          </a:extLst>
+        </p:spPr>
+      </p:pic>
+      <p:pic>
+        <p:nvPicPr>
+          <p:cNvPr id="4" name="Immagine 3">
+            <a:extLst>
+              <a:ext uri="{FF2B5EF4-FFF2-40B4-BE49-F238E27FC236}">
+                <a16:creationId xmlns:a16="http://schemas.microsoft.com/office/drawing/2014/main" id="{CB7B0F95-E290-44D0-B029-634BEEDAA414}"/>
+              </a:ext>
+            </a:extLst>
+          </p:cNvPr>
+          <p:cNvPicPr>
+            <a:picLocks noChangeAspect="1"/>
+          </p:cNvPicPr>
+          <p:nvPr/>
+        </p:nvPicPr>
+        <p:blipFill>
+          <a:blip r:embed="rId5"/>
+          <a:stretch>
+            <a:fillRect/>
+          </a:stretch>
+        </p:blipFill>
+        <p:spPr>
+          <a:xfrm>
+            <a:off x="6919460" y="4075435"/>
+            <a:ext cx="1497767" cy="2664296"/>
+          </a:xfrm>
+          <a:prstGeom prst="rect">
+            <a:avLst/>
+          </a:prstGeom>
+        </p:spPr>
+      </p:pic>
+      <p:sp>
+        <p:nvSpPr>
+          <p:cNvPr id="11" name="Ovale 10">
+            <a:extLst>
+              <a:ext uri="{FF2B5EF4-FFF2-40B4-BE49-F238E27FC236}">
+                <a16:creationId xmlns:a16="http://schemas.microsoft.com/office/drawing/2014/main" id="{72066615-A100-4338-8C5E-18F85FD72553}"/>
+              </a:ext>
+            </a:extLst>
+          </p:cNvPr>
+          <p:cNvSpPr/>
+          <p:nvPr/>
+        </p:nvSpPr>
+        <p:spPr>
+          <a:xfrm>
+            <a:off x="6732239" y="4435159"/>
+            <a:ext cx="1872208" cy="353824"/>
+          </a:xfrm>
+          <a:prstGeom prst="ellipse">
+            <a:avLst/>
+          </a:prstGeom>
+          <a:noFill/>
+          <a:ln>
+            <a:solidFill>
+              <a:srgbClr val="C00000"/>
+            </a:solidFill>
+          </a:ln>
+        </p:spPr>
+        <p:style>
+          <a:lnRef idx="2">
+            <a:schemeClr val="accent1">
+              <a:shade val="50000"/>
+            </a:schemeClr>
+          </a:lnRef>
+          <a:fillRef idx="1">
+            <a:schemeClr val="accent1"/>
+          </a:fillRef>
+          <a:effectRef idx="0">
+            <a:schemeClr val="accent1"/>
+          </a:effectRef>
+          <a:fontRef idx="minor">
+            <a:schemeClr val="lt1"/>
+          </a:fontRef>
+        </p:style>
+        <p:txBody>
+          <a:bodyPr rtlCol="0" anchor="ctr"/>
+          <a:lstStyle/>
+          <a:p>
+            <a:pPr algn="ctr"/>
+            <a:endParaRPr lang="en-GB"/>
+          </a:p>
+        </p:txBody>
+      </p:sp>
+    </p:spTree>
+    <p:extLst>
+      <p:ext uri="{BB962C8B-B14F-4D97-AF65-F5344CB8AC3E}">
+        <p14:creationId xmlns:p14="http://schemas.microsoft.com/office/powerpoint/2010/main" val="1380705700"/>
+      </p:ext>
+    </p:extLst>
+  </p:cSld>
+  <p:clrMapOvr>
+    <a:masterClrMapping/>
+  </p:clrMapOvr>
+  <p:timing>
+    <p:tnLst>
+      <p:par>
+        <p:cTn id="1" dur="indefinite" restart="never" nodeType="tmRoot">
+          <p:childTnLst>
+            <p:seq concurrent="1" nextAc="seek">
+              <p:cTn id="2" dur="indefinite" nodeType="mainSeq">
+                <p:childTnLst>
+                  <p:par>
+                    <p:cTn id="3" fill="hold">
+                      <p:stCondLst>
+                        <p:cond delay="indefinite"/>
+                      </p:stCondLst>
+                      <p:childTnLst>
+                        <p:par>
+                          <p:cTn id="4" fill="hold">
+                            <p:stCondLst>
+                              <p:cond delay="0"/>
+                            </p:stCondLst>
+                            <p:childTnLst>
+                              <p:par>
+                                <p:cTn id="5" presetID="10" presetClass="entr" presetSubtype="0" fill="hold" nodeType="clickEffect">
+                                  <p:stCondLst>
+                                    <p:cond delay="0"/>
+                                  </p:stCondLst>
+                                  <p:childTnLst>
+                                    <p:set>
+                                      <p:cBhvr>
+                                        <p:cTn id="6" dur="1" fill="hold">
+                                          <p:stCondLst>
+                                            <p:cond delay="0"/>
+                                          </p:stCondLst>
+                                        </p:cTn>
+                                        <p:tgtEl>
+                                          <p:spTgt spid="16"/>
+                                        </p:tgtEl>
+                                        <p:attrNameLst>
+                                          <p:attrName>style.visibility</p:attrName>
+                                        </p:attrNameLst>
+                                      </p:cBhvr>
+                                      <p:to>
+                                        <p:strVal val="visible"/>
+                                      </p:to>
+                                    </p:set>
+                                    <p:animEffect transition="in" filter="fade">
+                                      <p:cBhvr>
+                                        <p:cTn id="7" dur="500"/>
+                                        <p:tgtEl>
+                                          <p:spTgt spid="16"/>
+                                        </p:tgtEl>
+                                      </p:cBhvr>
+                                    </p:animEffect>
+                                  </p:childTnLst>
+                                </p:cTn>
+                              </p:par>
+                            </p:childTnLst>
+                          </p:cTn>
+                        </p:par>
+                      </p:childTnLst>
+                    </p:cTn>
+                  </p:par>
+                </p:childTnLst>
+              </p:cTn>
+              <p:prevCondLst>
+                <p:cond evt="onPrev" delay="0">
+                  <p:tgtEl>
+                    <p:sldTgt/>
+                  </p:tgtEl>
+                </p:cond>
+              </p:prevCondLst>
+              <p:nextCondLst>
+                <p:cond evt="onNext" delay="0">
+                  <p:tgtEl>
+                    <p:sldTgt/>
+                  </p:tgtEl>
+                </p:cond>
+              </p:nextCondLst>
+            </p:seq>
+          </p:childTnLst>
+        </p:cTn>
+      </p:par>
+    </p:tnLst>
+  </p:timing>
+</p:sld>
+</file>
+
+<file path=ppt/slides/slide4.xml><?xml version="1.0" encoding="utf-8"?>
 <p:sld xmlns:a="http://schemas.openxmlformats.org/drawingml/2006/main" xmlns:r="http://schemas.openxmlformats.org/officeDocument/2006/relationships" xmlns:p="http://schemas.openxmlformats.org/presentationml/2006/main">
   <p:cSld>
     <p:spTree>
@@ -9748,7 +11905,7 @@
 </p:sld>
 </file>
 
-<file path=ppt/slides/slide4.xml><?xml version="1.0" encoding="utf-8"?>
+<file path=ppt/slides/slide5.xml><?xml version="1.0" encoding="utf-8"?>
 <p:sld xmlns:a="http://schemas.openxmlformats.org/drawingml/2006/main" xmlns:r="http://schemas.openxmlformats.org/officeDocument/2006/relationships" xmlns:p="http://schemas.openxmlformats.org/presentationml/2006/main">
   <p:cSld>
     <p:spTree>
@@ -10799,7 +12956,7 @@
 </p:sld>
 </file>
 
-<file path=ppt/slides/slide5.xml><?xml version="1.0" encoding="utf-8"?>
+<file path=ppt/slides/slide6.xml><?xml version="1.0" encoding="utf-8"?>
 <p:sld xmlns:a="http://schemas.openxmlformats.org/drawingml/2006/main" xmlns:r="http://schemas.openxmlformats.org/officeDocument/2006/relationships" xmlns:p="http://schemas.openxmlformats.org/presentationml/2006/main">
   <p:cSld>
     <p:spTree>
@@ -12036,7 +14193,7 @@
 </p:sld>
 </file>
 
-<file path=ppt/slides/slide6.xml><?xml version="1.0" encoding="utf-8"?>
+<file path=ppt/slides/slide7.xml><?xml version="1.0" encoding="utf-8"?>
 <p:sld xmlns:a="http://schemas.openxmlformats.org/drawingml/2006/main" xmlns:r="http://schemas.openxmlformats.org/officeDocument/2006/relationships" xmlns:p="http://schemas.openxmlformats.org/presentationml/2006/main">
   <p:cSld>
     <p:spTree>
@@ -13038,10 +15195,10 @@
       </p:sp>
       <p:pic>
         <p:nvPicPr>
-          <p:cNvPr id="13" name="Immagine 12">
+          <p:cNvPr id="3" name="Immagine 2">
             <a:extLst>
               <a:ext uri="{FF2B5EF4-FFF2-40B4-BE49-F238E27FC236}">
-                <a16:creationId xmlns:a16="http://schemas.microsoft.com/office/drawing/2014/main" id="{0E075B16-5FCB-4BE3-B070-D8DC13AECB8C}"/>
+                <a16:creationId xmlns:a16="http://schemas.microsoft.com/office/drawing/2014/main" id="{0C73AEC4-A11E-4700-A59C-56D7B6326C60}"/>
               </a:ext>
             </a:extLst>
           </p:cNvPr>
@@ -13058,8 +15215,8 @@
         </p:blipFill>
         <p:spPr>
           <a:xfrm>
-            <a:off x="6522003" y="3577234"/>
-            <a:ext cx="1926546" cy="3083271"/>
+            <a:off x="5508104" y="5118870"/>
+            <a:ext cx="3491880" cy="1492446"/>
           </a:xfrm>
           <a:prstGeom prst="rect">
             <a:avLst/>
@@ -13070,6 +15227,907 @@
     <p:extLst>
       <p:ext uri="{BB962C8B-B14F-4D97-AF65-F5344CB8AC3E}">
         <p14:creationId xmlns:p14="http://schemas.microsoft.com/office/powerpoint/2010/main" val="430280009"/>
+      </p:ext>
+    </p:extLst>
+  </p:cSld>
+  <p:clrMapOvr>
+    <a:masterClrMapping/>
+  </p:clrMapOvr>
+  <p:timing>
+    <p:tnLst>
+      <p:par>
+        <p:cTn id="1" dur="indefinite" restart="never" nodeType="tmRoot">
+          <p:childTnLst>
+            <p:seq concurrent="1" nextAc="seek">
+              <p:cTn id="2" dur="indefinite" nodeType="mainSeq">
+                <p:childTnLst>
+                  <p:par>
+                    <p:cTn id="3" fill="hold">
+                      <p:stCondLst>
+                        <p:cond delay="indefinite"/>
+                      </p:stCondLst>
+                      <p:childTnLst>
+                        <p:par>
+                          <p:cTn id="4" fill="hold">
+                            <p:stCondLst>
+                              <p:cond delay="0"/>
+                            </p:stCondLst>
+                            <p:childTnLst>
+                              <p:par>
+                                <p:cTn id="5" presetID="10" presetClass="entr" presetSubtype="0" fill="hold" nodeType="clickEffect">
+                                  <p:stCondLst>
+                                    <p:cond delay="0"/>
+                                  </p:stCondLst>
+                                  <p:childTnLst>
+                                    <p:set>
+                                      <p:cBhvr>
+                                        <p:cTn id="6" dur="1" fill="hold">
+                                          <p:stCondLst>
+                                            <p:cond delay="0"/>
+                                          </p:stCondLst>
+                                        </p:cTn>
+                                        <p:tgtEl>
+                                          <p:spTgt spid="5"/>
+                                        </p:tgtEl>
+                                        <p:attrNameLst>
+                                          <p:attrName>style.visibility</p:attrName>
+                                        </p:attrNameLst>
+                                      </p:cBhvr>
+                                      <p:to>
+                                        <p:strVal val="visible"/>
+                                      </p:to>
+                                    </p:set>
+                                    <p:animEffect transition="in" filter="fade">
+                                      <p:cBhvr>
+                                        <p:cTn id="7" dur="500"/>
+                                        <p:tgtEl>
+                                          <p:spTgt spid="5"/>
+                                        </p:tgtEl>
+                                      </p:cBhvr>
+                                    </p:animEffect>
+                                  </p:childTnLst>
+                                </p:cTn>
+                              </p:par>
+                            </p:childTnLst>
+                          </p:cTn>
+                        </p:par>
+                      </p:childTnLst>
+                    </p:cTn>
+                  </p:par>
+                </p:childTnLst>
+              </p:cTn>
+              <p:prevCondLst>
+                <p:cond evt="onPrev" delay="0">
+                  <p:tgtEl>
+                    <p:sldTgt/>
+                  </p:tgtEl>
+                </p:cond>
+              </p:prevCondLst>
+              <p:nextCondLst>
+                <p:cond evt="onNext" delay="0">
+                  <p:tgtEl>
+                    <p:sldTgt/>
+                  </p:tgtEl>
+                </p:cond>
+              </p:nextCondLst>
+            </p:seq>
+          </p:childTnLst>
+        </p:cTn>
+      </p:par>
+    </p:tnLst>
+  </p:timing>
+</p:sld>
+</file>
+
+<file path=ppt/slides/slide8.xml><?xml version="1.0" encoding="utf-8"?>
+<p:sld xmlns:a="http://schemas.openxmlformats.org/drawingml/2006/main" xmlns:r="http://schemas.openxmlformats.org/officeDocument/2006/relationships" xmlns:p="http://schemas.openxmlformats.org/presentationml/2006/main">
+  <p:cSld>
+    <p:spTree>
+      <p:nvGrpSpPr>
+        <p:cNvPr id="1" name=""/>
+        <p:cNvGrpSpPr/>
+        <p:nvPr/>
+      </p:nvGrpSpPr>
+      <p:grpSpPr>
+        <a:xfrm>
+          <a:off x="0" y="0"/>
+          <a:ext cx="0" cy="0"/>
+          <a:chOff x="0" y="0"/>
+          <a:chExt cx="0" cy="0"/>
+        </a:xfrm>
+      </p:grpSpPr>
+      <p:sp>
+        <p:nvSpPr>
+          <p:cNvPr id="4" name="Rectangle 2">
+            <a:extLst>
+              <a:ext uri="{FF2B5EF4-FFF2-40B4-BE49-F238E27FC236}">
+                <a16:creationId xmlns:a16="http://schemas.microsoft.com/office/drawing/2014/main" id="{F9FB61F5-805A-4B55-836F-53813CE4C1D2}"/>
+              </a:ext>
+            </a:extLst>
+          </p:cNvPr>
+          <p:cNvSpPr txBox="1">
+            <a:spLocks noChangeArrowheads="1"/>
+          </p:cNvSpPr>
+          <p:nvPr/>
+        </p:nvSpPr>
+        <p:spPr bwMode="auto">
+          <a:xfrm>
+            <a:off x="1866728" y="135506"/>
+            <a:ext cx="6851650" cy="1143000"/>
+          </a:xfrm>
+          <a:prstGeom prst="rect">
+            <a:avLst/>
+          </a:prstGeom>
+          <a:noFill/>
+          <a:ln w="9525">
+            <a:noFill/>
+            <a:miter lim="800000"/>
+            <a:headEnd/>
+            <a:tailEnd/>
+          </a:ln>
+          <a:effectLst/>
+        </p:spPr>
+        <p:txBody>
+          <a:bodyPr vert="horz" wrap="square" lIns="91440" tIns="45720" rIns="91440" bIns="45720" numCol="1" anchor="ctr" anchorCtr="0" compatLnSpc="1">
+            <a:prstTxWarp prst="textNoShape">
+              <a:avLst/>
+            </a:prstTxWarp>
+            <a:normAutofit/>
+          </a:bodyPr>
+          <a:lstStyle>
+            <a:lvl1pPr algn="l" rtl="0" fontAlgn="base">
+              <a:spcBef>
+                <a:spcPct val="0"/>
+              </a:spcBef>
+              <a:spcAft>
+                <a:spcPct val="0"/>
+              </a:spcAft>
+              <a:defRPr sz="4400">
+                <a:solidFill>
+                  <a:schemeClr val="tx2"/>
+                </a:solidFill>
+                <a:latin typeface="+mj-lt"/>
+                <a:ea typeface="+mj-ea"/>
+                <a:cs typeface="+mj-cs"/>
+              </a:defRPr>
+            </a:lvl1pPr>
+            <a:lvl2pPr algn="l" rtl="0" fontAlgn="base">
+              <a:spcBef>
+                <a:spcPct val="0"/>
+              </a:spcBef>
+              <a:spcAft>
+                <a:spcPct val="0"/>
+              </a:spcAft>
+              <a:defRPr sz="4400">
+                <a:solidFill>
+                  <a:schemeClr val="tx2"/>
+                </a:solidFill>
+                <a:latin typeface="Arial" charset="0"/>
+              </a:defRPr>
+            </a:lvl2pPr>
+            <a:lvl3pPr algn="l" rtl="0" fontAlgn="base">
+              <a:spcBef>
+                <a:spcPct val="0"/>
+              </a:spcBef>
+              <a:spcAft>
+                <a:spcPct val="0"/>
+              </a:spcAft>
+              <a:defRPr sz="4400">
+                <a:solidFill>
+                  <a:schemeClr val="tx2"/>
+                </a:solidFill>
+                <a:latin typeface="Arial" charset="0"/>
+              </a:defRPr>
+            </a:lvl3pPr>
+            <a:lvl4pPr algn="l" rtl="0" fontAlgn="base">
+              <a:spcBef>
+                <a:spcPct val="0"/>
+              </a:spcBef>
+              <a:spcAft>
+                <a:spcPct val="0"/>
+              </a:spcAft>
+              <a:defRPr sz="4400">
+                <a:solidFill>
+                  <a:schemeClr val="tx2"/>
+                </a:solidFill>
+                <a:latin typeface="Arial" charset="0"/>
+              </a:defRPr>
+            </a:lvl4pPr>
+            <a:lvl5pPr algn="l" rtl="0" fontAlgn="base">
+              <a:spcBef>
+                <a:spcPct val="0"/>
+              </a:spcBef>
+              <a:spcAft>
+                <a:spcPct val="0"/>
+              </a:spcAft>
+              <a:defRPr sz="4400">
+                <a:solidFill>
+                  <a:schemeClr val="tx2"/>
+                </a:solidFill>
+                <a:latin typeface="Arial" charset="0"/>
+              </a:defRPr>
+            </a:lvl5pPr>
+            <a:lvl6pPr marL="457200" algn="l" rtl="0" fontAlgn="base">
+              <a:spcBef>
+                <a:spcPct val="0"/>
+              </a:spcBef>
+              <a:spcAft>
+                <a:spcPct val="0"/>
+              </a:spcAft>
+              <a:defRPr sz="4400">
+                <a:solidFill>
+                  <a:schemeClr val="tx2"/>
+                </a:solidFill>
+                <a:latin typeface="Arial" charset="0"/>
+              </a:defRPr>
+            </a:lvl6pPr>
+            <a:lvl7pPr marL="914400" algn="l" rtl="0" fontAlgn="base">
+              <a:spcBef>
+                <a:spcPct val="0"/>
+              </a:spcBef>
+              <a:spcAft>
+                <a:spcPct val="0"/>
+              </a:spcAft>
+              <a:defRPr sz="4400">
+                <a:solidFill>
+                  <a:schemeClr val="tx2"/>
+                </a:solidFill>
+                <a:latin typeface="Arial" charset="0"/>
+              </a:defRPr>
+            </a:lvl7pPr>
+            <a:lvl8pPr marL="1371600" algn="l" rtl="0" fontAlgn="base">
+              <a:spcBef>
+                <a:spcPct val="0"/>
+              </a:spcBef>
+              <a:spcAft>
+                <a:spcPct val="0"/>
+              </a:spcAft>
+              <a:defRPr sz="4400">
+                <a:solidFill>
+                  <a:schemeClr val="tx2"/>
+                </a:solidFill>
+                <a:latin typeface="Arial" charset="0"/>
+              </a:defRPr>
+            </a:lvl8pPr>
+            <a:lvl9pPr marL="1828800" algn="l" rtl="0" fontAlgn="base">
+              <a:spcBef>
+                <a:spcPct val="0"/>
+              </a:spcBef>
+              <a:spcAft>
+                <a:spcPct val="0"/>
+              </a:spcAft>
+              <a:defRPr sz="4400">
+                <a:solidFill>
+                  <a:schemeClr val="tx2"/>
+                </a:solidFill>
+                <a:latin typeface="Arial" charset="0"/>
+              </a:defRPr>
+            </a:lvl9pPr>
+          </a:lstStyle>
+          <a:p>
+            <a:r>
+              <a:rPr lang="en-US" sz="4000" b="1" kern="0" dirty="0"/>
+              <a:t>    Fine </a:t>
+            </a:r>
+            <a:r>
+              <a:rPr lang="en-US" sz="4000" b="1" kern="0" dirty="0" err="1"/>
+              <a:t>della</a:t>
+            </a:r>
+            <a:r>
+              <a:rPr lang="en-US" sz="4000" b="1" kern="0" dirty="0"/>
+              <a:t> partita</a:t>
+            </a:r>
+          </a:p>
+        </p:txBody>
+      </p:sp>
+      <p:pic>
+        <p:nvPicPr>
+          <p:cNvPr id="5" name="Immagine 2">
+            <a:extLst>
+              <a:ext uri="{FF2B5EF4-FFF2-40B4-BE49-F238E27FC236}">
+                <a16:creationId xmlns:a16="http://schemas.microsoft.com/office/drawing/2014/main" id="{1AF524A7-0CEF-4FED-A28D-98244F5F98C9}"/>
+              </a:ext>
+            </a:extLst>
+          </p:cNvPr>
+          <p:cNvPicPr>
+            <a:picLocks noChangeAspect="1" noChangeArrowheads="1"/>
+          </p:cNvPicPr>
+          <p:nvPr/>
+        </p:nvPicPr>
+        <p:blipFill>
+          <a:blip r:embed="rId2" cstate="print">
+            <a:extLst>
+              <a:ext uri="{28A0092B-C50C-407E-A947-70E740481C1C}">
+                <a14:useLocalDpi xmlns:a14="http://schemas.microsoft.com/office/drawing/2010/main" val="0"/>
+              </a:ext>
+            </a:extLst>
+          </a:blip>
+          <a:stretch>
+            <a:fillRect/>
+          </a:stretch>
+        </p:blipFill>
+        <p:spPr bwMode="auto">
+          <a:xfrm>
+            <a:off x="1845958" y="466264"/>
+            <a:ext cx="595098" cy="586472"/>
+          </a:xfrm>
+          <a:prstGeom prst="rect">
+            <a:avLst/>
+          </a:prstGeom>
+          <a:solidFill>
+            <a:srgbClr val="FFFFFF"/>
+          </a:solidFill>
+          <a:ln>
+            <a:noFill/>
+          </a:ln>
+          <a:extLst>
+            <a:ext uri="{91240B29-F687-4F45-9708-019B960494DF}">
+              <a14:hiddenLine xmlns:a14="http://schemas.microsoft.com/office/drawing/2010/main" w="9525">
+                <a:solidFill>
+                  <a:srgbClr val="000000"/>
+                </a:solidFill>
+                <a:miter lim="800000"/>
+                <a:headEnd/>
+                <a:tailEnd/>
+              </a14:hiddenLine>
+            </a:ext>
+          </a:extLst>
+        </p:spPr>
+      </p:pic>
+      <p:sp>
+        <p:nvSpPr>
+          <p:cNvPr id="8" name="Rectangle 3">
+            <a:extLst>
+              <a:ext uri="{FF2B5EF4-FFF2-40B4-BE49-F238E27FC236}">
+                <a16:creationId xmlns:a16="http://schemas.microsoft.com/office/drawing/2014/main" id="{A2B18BC5-0958-44C3-85BD-3F4973BA4087}"/>
+              </a:ext>
+            </a:extLst>
+          </p:cNvPr>
+          <p:cNvSpPr txBox="1">
+            <a:spLocks noChangeArrowheads="1"/>
+          </p:cNvSpPr>
+          <p:nvPr/>
+        </p:nvSpPr>
+        <p:spPr bwMode="auto">
+          <a:xfrm>
+            <a:off x="1547664" y="1196752"/>
+            <a:ext cx="6408712" cy="1948852"/>
+          </a:xfrm>
+          <a:prstGeom prst="rect">
+            <a:avLst/>
+          </a:prstGeom>
+          <a:noFill/>
+          <a:ln w="9525">
+            <a:noFill/>
+            <a:miter lim="800000"/>
+            <a:headEnd/>
+            <a:tailEnd/>
+          </a:ln>
+          <a:effectLst/>
+        </p:spPr>
+        <p:txBody>
+          <a:bodyPr vert="horz" wrap="square" lIns="91440" tIns="45720" rIns="91440" bIns="45720" numCol="1" anchor="t" anchorCtr="0" compatLnSpc="1">
+            <a:prstTxWarp prst="textNoShape">
+              <a:avLst/>
+            </a:prstTxWarp>
+            <a:noAutofit/>
+          </a:bodyPr>
+          <a:lstStyle>
+            <a:lvl1pPr marL="342900" indent="-342900" algn="l" rtl="0" fontAlgn="base">
+              <a:spcBef>
+                <a:spcPct val="20000"/>
+              </a:spcBef>
+              <a:spcAft>
+                <a:spcPct val="0"/>
+              </a:spcAft>
+              <a:buChar char="•"/>
+              <a:defRPr sz="2800">
+                <a:solidFill>
+                  <a:schemeClr val="tx1"/>
+                </a:solidFill>
+                <a:latin typeface="+mn-lt"/>
+                <a:ea typeface="+mn-ea"/>
+                <a:cs typeface="+mn-cs"/>
+              </a:defRPr>
+            </a:lvl1pPr>
+            <a:lvl2pPr marL="742950" indent="-285750" algn="l" rtl="0" fontAlgn="base">
+              <a:spcBef>
+                <a:spcPct val="20000"/>
+              </a:spcBef>
+              <a:spcAft>
+                <a:spcPct val="0"/>
+              </a:spcAft>
+              <a:buChar char="–"/>
+              <a:defRPr sz="2400">
+                <a:solidFill>
+                  <a:schemeClr val="tx1"/>
+                </a:solidFill>
+                <a:latin typeface="+mn-lt"/>
+              </a:defRPr>
+            </a:lvl2pPr>
+            <a:lvl3pPr marL="1143000" indent="-228600" algn="l" rtl="0" fontAlgn="base">
+              <a:spcBef>
+                <a:spcPct val="20000"/>
+              </a:spcBef>
+              <a:spcAft>
+                <a:spcPct val="0"/>
+              </a:spcAft>
+              <a:buChar char="•"/>
+              <a:defRPr sz="2000">
+                <a:solidFill>
+                  <a:schemeClr val="tx1"/>
+                </a:solidFill>
+                <a:latin typeface="+mn-lt"/>
+              </a:defRPr>
+            </a:lvl3pPr>
+            <a:lvl4pPr marL="1600200" indent="-228600" algn="l" rtl="0" fontAlgn="base">
+              <a:spcBef>
+                <a:spcPct val="20000"/>
+              </a:spcBef>
+              <a:spcAft>
+                <a:spcPct val="0"/>
+              </a:spcAft>
+              <a:buChar char="–"/>
+              <a:defRPr sz="1800">
+                <a:solidFill>
+                  <a:schemeClr val="tx1"/>
+                </a:solidFill>
+                <a:latin typeface="+mn-lt"/>
+              </a:defRPr>
+            </a:lvl4pPr>
+            <a:lvl5pPr marL="2057400" indent="-228600" algn="l" rtl="0" fontAlgn="base">
+              <a:spcBef>
+                <a:spcPct val="20000"/>
+              </a:spcBef>
+              <a:spcAft>
+                <a:spcPct val="0"/>
+              </a:spcAft>
+              <a:buChar char="»"/>
+              <a:defRPr sz="1800">
+                <a:solidFill>
+                  <a:schemeClr val="tx1"/>
+                </a:solidFill>
+                <a:latin typeface="+mn-lt"/>
+              </a:defRPr>
+            </a:lvl5pPr>
+            <a:lvl6pPr marL="2514600" indent="-228600" algn="l" rtl="0" fontAlgn="base">
+              <a:spcBef>
+                <a:spcPct val="20000"/>
+              </a:spcBef>
+              <a:spcAft>
+                <a:spcPct val="0"/>
+              </a:spcAft>
+              <a:buChar char="»"/>
+              <a:defRPr sz="1800">
+                <a:solidFill>
+                  <a:schemeClr val="tx1"/>
+                </a:solidFill>
+                <a:latin typeface="+mn-lt"/>
+              </a:defRPr>
+            </a:lvl6pPr>
+            <a:lvl7pPr marL="2971800" indent="-228600" algn="l" rtl="0" fontAlgn="base">
+              <a:spcBef>
+                <a:spcPct val="20000"/>
+              </a:spcBef>
+              <a:spcAft>
+                <a:spcPct val="0"/>
+              </a:spcAft>
+              <a:buChar char="»"/>
+              <a:defRPr sz="1800">
+                <a:solidFill>
+                  <a:schemeClr val="tx1"/>
+                </a:solidFill>
+                <a:latin typeface="+mn-lt"/>
+              </a:defRPr>
+            </a:lvl7pPr>
+            <a:lvl8pPr marL="3429000" indent="-228600" algn="l" rtl="0" fontAlgn="base">
+              <a:spcBef>
+                <a:spcPct val="20000"/>
+              </a:spcBef>
+              <a:spcAft>
+                <a:spcPct val="0"/>
+              </a:spcAft>
+              <a:buChar char="»"/>
+              <a:defRPr sz="1800">
+                <a:solidFill>
+                  <a:schemeClr val="tx1"/>
+                </a:solidFill>
+                <a:latin typeface="+mn-lt"/>
+              </a:defRPr>
+            </a:lvl8pPr>
+            <a:lvl9pPr marL="3886200" indent="-228600" algn="l" rtl="0" fontAlgn="base">
+              <a:spcBef>
+                <a:spcPct val="20000"/>
+              </a:spcBef>
+              <a:spcAft>
+                <a:spcPct val="0"/>
+              </a:spcAft>
+              <a:buChar char="»"/>
+              <a:defRPr sz="1800">
+                <a:solidFill>
+                  <a:schemeClr val="tx1"/>
+                </a:solidFill>
+                <a:latin typeface="+mn-lt"/>
+              </a:defRPr>
+            </a:lvl9pPr>
+          </a:lstStyle>
+          <a:p>
+            <a:pPr marL="514350" lvl="1" indent="0">
+              <a:lnSpc>
+                <a:spcPct val="120000"/>
+              </a:lnSpc>
+              <a:buFontTx/>
+              <a:buNone/>
+            </a:pPr>
+            <a:r>
+              <a:rPr lang="en-US" sz="1400" kern="0" dirty="0"/>
+              <a:t>Al </a:t>
+            </a:r>
+            <a:r>
+              <a:rPr lang="en-US" sz="1400" kern="0" dirty="0" err="1"/>
+              <a:t>termine</a:t>
+            </a:r>
+            <a:r>
+              <a:rPr lang="en-US" sz="1400" kern="0" dirty="0"/>
+              <a:t> </a:t>
+            </a:r>
+            <a:r>
+              <a:rPr lang="en-US" sz="1400" kern="0" dirty="0" err="1"/>
+              <a:t>della</a:t>
+            </a:r>
+            <a:r>
+              <a:rPr lang="en-US" sz="1400" kern="0" dirty="0"/>
+              <a:t> partita in base </a:t>
+            </a:r>
+            <a:r>
+              <a:rPr lang="en-US" sz="1400" kern="0" dirty="0" err="1"/>
+              <a:t>all’esito</a:t>
+            </a:r>
+            <a:r>
+              <a:rPr lang="en-US" sz="1400" kern="0" dirty="0"/>
+              <a:t> </a:t>
+            </a:r>
+            <a:r>
+              <a:rPr lang="en-US" sz="1400" kern="0" dirty="0" err="1"/>
+              <a:t>sarà</a:t>
+            </a:r>
+            <a:r>
+              <a:rPr lang="en-US" sz="1400" kern="0" dirty="0"/>
+              <a:t> </a:t>
+            </a:r>
+            <a:r>
+              <a:rPr lang="en-US" sz="1400" kern="0" dirty="0" err="1"/>
+              <a:t>mostrata</a:t>
+            </a:r>
+            <a:r>
+              <a:rPr lang="en-US" sz="1400" kern="0" dirty="0"/>
+              <a:t> ai </a:t>
+            </a:r>
+            <a:r>
+              <a:rPr lang="en-US" sz="1400" kern="0" dirty="0" err="1"/>
+              <a:t>giocatori</a:t>
+            </a:r>
+            <a:r>
+              <a:rPr lang="en-US" sz="1400" kern="0" dirty="0"/>
+              <a:t> una </a:t>
+            </a:r>
+            <a:r>
+              <a:rPr lang="en-US" sz="1400" kern="0" dirty="0" err="1"/>
+              <a:t>delle</a:t>
+            </a:r>
+            <a:r>
+              <a:rPr lang="en-US" sz="1400" kern="0" dirty="0"/>
+              <a:t> </a:t>
+            </a:r>
+            <a:r>
+              <a:rPr lang="en-US" sz="1400" kern="0" dirty="0" err="1"/>
+              <a:t>seguenti</a:t>
+            </a:r>
+            <a:r>
+              <a:rPr lang="en-US" sz="1400" kern="0" dirty="0"/>
+              <a:t> </a:t>
+            </a:r>
+            <a:r>
+              <a:rPr lang="en-US" sz="1400" kern="0" dirty="0" err="1"/>
+              <a:t>schermate</a:t>
+            </a:r>
+            <a:r>
+              <a:rPr lang="en-US" sz="1400" kern="0" dirty="0"/>
+              <a:t>:</a:t>
+            </a:r>
+          </a:p>
+          <a:p>
+            <a:pPr marL="514350" lvl="1" indent="0">
+              <a:lnSpc>
+                <a:spcPct val="120000"/>
+              </a:lnSpc>
+              <a:buFontTx/>
+              <a:buNone/>
+            </a:pPr>
+            <a:endParaRPr lang="en-US" sz="1400" kern="0" dirty="0"/>
+          </a:p>
+          <a:p>
+            <a:pPr marL="514350" lvl="1" indent="0">
+              <a:lnSpc>
+                <a:spcPct val="120000"/>
+              </a:lnSpc>
+              <a:buNone/>
+            </a:pPr>
+            <a:r>
+              <a:rPr lang="en-US" sz="1600" b="1" kern="0" dirty="0"/>
+              <a:t>- In </a:t>
+            </a:r>
+            <a:r>
+              <a:rPr lang="en-US" sz="1600" b="1" kern="0" dirty="0" err="1"/>
+              <a:t>caso</a:t>
+            </a:r>
+            <a:r>
+              <a:rPr lang="en-US" sz="1600" b="1" kern="0" dirty="0"/>
+              <a:t> di </a:t>
+            </a:r>
+            <a:r>
+              <a:rPr lang="en-US" sz="1600" b="1" kern="0" dirty="0" err="1"/>
+              <a:t>vittoria</a:t>
+            </a:r>
+            <a:r>
+              <a:rPr lang="en-US" sz="1600" b="1" kern="0" dirty="0"/>
+              <a:t>: </a:t>
+            </a:r>
+          </a:p>
+          <a:p>
+            <a:pPr marL="800100" lvl="1">
+              <a:lnSpc>
+                <a:spcPct val="120000"/>
+              </a:lnSpc>
+              <a:buFontTx/>
+              <a:buChar char="-"/>
+            </a:pPr>
+            <a:endParaRPr lang="en-US" sz="1400" kern="0" dirty="0"/>
+          </a:p>
+          <a:p>
+            <a:pPr marL="514350" lvl="1" indent="0">
+              <a:lnSpc>
+                <a:spcPct val="120000"/>
+              </a:lnSpc>
+              <a:buFontTx/>
+              <a:buNone/>
+            </a:pPr>
+            <a:endParaRPr lang="en-US" sz="1400" kern="0" dirty="0"/>
+          </a:p>
+          <a:p>
+            <a:pPr marL="514350" lvl="1" indent="0">
+              <a:lnSpc>
+                <a:spcPct val="120000"/>
+              </a:lnSpc>
+              <a:buFontTx/>
+              <a:buNone/>
+            </a:pPr>
+            <a:r>
+              <a:rPr lang="en-US" sz="1400" kern="0" dirty="0"/>
+              <a:t>  </a:t>
+            </a:r>
+            <a:endParaRPr lang="en-US" sz="1400" b="1" kern="0" dirty="0"/>
+          </a:p>
+          <a:p>
+            <a:pPr marL="514350" lvl="1" indent="0">
+              <a:lnSpc>
+                <a:spcPct val="120000"/>
+              </a:lnSpc>
+              <a:buNone/>
+            </a:pPr>
+            <a:endParaRPr lang="en-US" sz="1400" kern="0" dirty="0"/>
+          </a:p>
+          <a:p>
+            <a:pPr marL="514350" lvl="1" indent="0">
+              <a:lnSpc>
+                <a:spcPct val="120000"/>
+              </a:lnSpc>
+              <a:buNone/>
+            </a:pPr>
+            <a:r>
+              <a:rPr lang="en-US" sz="1600" b="1" kern="0" dirty="0"/>
+              <a:t>-    In </a:t>
+            </a:r>
+            <a:r>
+              <a:rPr lang="en-US" sz="1600" b="1" kern="0" dirty="0" err="1"/>
+              <a:t>caso</a:t>
+            </a:r>
+            <a:r>
+              <a:rPr lang="en-US" sz="1600" b="1" kern="0" dirty="0"/>
+              <a:t> di </a:t>
+            </a:r>
+            <a:r>
+              <a:rPr lang="en-US" sz="1600" b="1" kern="0" dirty="0" err="1"/>
+              <a:t>sconfitta</a:t>
+            </a:r>
+            <a:r>
+              <a:rPr lang="en-US" sz="1600" b="1" kern="0" dirty="0"/>
+              <a:t>:</a:t>
+            </a:r>
+          </a:p>
+          <a:p>
+            <a:pPr marL="800100" lvl="1">
+              <a:lnSpc>
+                <a:spcPct val="120000"/>
+              </a:lnSpc>
+              <a:buFontTx/>
+              <a:buChar char="-"/>
+            </a:pPr>
+            <a:endParaRPr lang="en-US" sz="1400" kern="0" dirty="0"/>
+          </a:p>
+          <a:p>
+            <a:pPr marL="800100" lvl="1">
+              <a:lnSpc>
+                <a:spcPct val="120000"/>
+              </a:lnSpc>
+              <a:buFontTx/>
+              <a:buChar char="-"/>
+            </a:pPr>
+            <a:endParaRPr lang="en-US" sz="1400" kern="0" dirty="0"/>
+          </a:p>
+          <a:p>
+            <a:pPr marL="800100" lvl="1">
+              <a:lnSpc>
+                <a:spcPct val="120000"/>
+              </a:lnSpc>
+              <a:buFontTx/>
+              <a:buChar char="-"/>
+            </a:pPr>
+            <a:endParaRPr lang="en-US" sz="1400" kern="0" dirty="0"/>
+          </a:p>
+          <a:p>
+            <a:pPr marL="800100" lvl="1">
+              <a:lnSpc>
+                <a:spcPct val="120000"/>
+              </a:lnSpc>
+              <a:buFontTx/>
+              <a:buChar char="-"/>
+            </a:pPr>
+            <a:endParaRPr lang="en-US" sz="1400" kern="0" dirty="0"/>
+          </a:p>
+          <a:p>
+            <a:pPr marL="514350" lvl="1" indent="0">
+              <a:lnSpc>
+                <a:spcPct val="120000"/>
+              </a:lnSpc>
+              <a:buNone/>
+            </a:pPr>
+            <a:r>
+              <a:rPr lang="en-US" sz="1600" b="1" kern="0" dirty="0"/>
+              <a:t>- In </a:t>
+            </a:r>
+            <a:r>
+              <a:rPr lang="en-US" sz="1600" b="1" kern="0" dirty="0" err="1"/>
+              <a:t>caso</a:t>
+            </a:r>
+            <a:r>
+              <a:rPr lang="en-US" sz="1600" b="1" kern="0" dirty="0"/>
+              <a:t> di </a:t>
+            </a:r>
+            <a:r>
+              <a:rPr lang="en-US" sz="1600" b="1" kern="0" dirty="0" err="1"/>
+              <a:t>pareggio</a:t>
+            </a:r>
+            <a:r>
+              <a:rPr lang="en-US" sz="1600" b="1" kern="0" dirty="0"/>
+              <a:t>:</a:t>
+            </a:r>
+          </a:p>
+          <a:p>
+            <a:pPr marL="800100" lvl="1">
+              <a:lnSpc>
+                <a:spcPct val="120000"/>
+              </a:lnSpc>
+              <a:buFontTx/>
+              <a:buChar char="-"/>
+            </a:pPr>
+            <a:endParaRPr lang="en-US" sz="1400" kern="0" dirty="0"/>
+          </a:p>
+          <a:p>
+            <a:pPr marL="514350" lvl="1" indent="0">
+              <a:lnSpc>
+                <a:spcPct val="120000"/>
+              </a:lnSpc>
+              <a:buNone/>
+            </a:pPr>
+            <a:endParaRPr lang="en-US" sz="1400" kern="0" dirty="0"/>
+          </a:p>
+        </p:txBody>
+      </p:sp>
+      <p:pic>
+        <p:nvPicPr>
+          <p:cNvPr id="3" name="Immagine 2">
+            <a:extLst>
+              <a:ext uri="{FF2B5EF4-FFF2-40B4-BE49-F238E27FC236}">
+                <a16:creationId xmlns:a16="http://schemas.microsoft.com/office/drawing/2014/main" id="{8B983B53-87BA-41D9-A06F-AC921850FF95}"/>
+              </a:ext>
+            </a:extLst>
+          </p:cNvPr>
+          <p:cNvPicPr>
+            <a:picLocks noChangeAspect="1"/>
+          </p:cNvPicPr>
+          <p:nvPr/>
+        </p:nvPicPr>
+        <p:blipFill>
+          <a:blip r:embed="rId3"/>
+          <a:stretch>
+            <a:fillRect/>
+          </a:stretch>
+        </p:blipFill>
+        <p:spPr>
+          <a:xfrm>
+            <a:off x="2339751" y="2413768"/>
+            <a:ext cx="2016225" cy="952722"/>
+          </a:xfrm>
+          <a:prstGeom prst="rect">
+            <a:avLst/>
+          </a:prstGeom>
+        </p:spPr>
+      </p:pic>
+      <p:pic>
+        <p:nvPicPr>
+          <p:cNvPr id="7" name="Immagine 6">
+            <a:extLst>
+              <a:ext uri="{FF2B5EF4-FFF2-40B4-BE49-F238E27FC236}">
+                <a16:creationId xmlns:a16="http://schemas.microsoft.com/office/drawing/2014/main" id="{C862E491-99F3-4A0E-A61E-CCD6DFDF9684}"/>
+              </a:ext>
+            </a:extLst>
+          </p:cNvPr>
+          <p:cNvPicPr>
+            <a:picLocks noChangeAspect="1"/>
+          </p:cNvPicPr>
+          <p:nvPr/>
+        </p:nvPicPr>
+        <p:blipFill>
+          <a:blip r:embed="rId4"/>
+          <a:stretch>
+            <a:fillRect/>
+          </a:stretch>
+        </p:blipFill>
+        <p:spPr>
+          <a:xfrm>
+            <a:off x="2339751" y="3937571"/>
+            <a:ext cx="2016226" cy="999437"/>
+          </a:xfrm>
+          <a:prstGeom prst="rect">
+            <a:avLst/>
+          </a:prstGeom>
+        </p:spPr>
+      </p:pic>
+      <p:pic>
+        <p:nvPicPr>
+          <p:cNvPr id="10" name="Immagine 9">
+            <a:extLst>
+              <a:ext uri="{FF2B5EF4-FFF2-40B4-BE49-F238E27FC236}">
+                <a16:creationId xmlns:a16="http://schemas.microsoft.com/office/drawing/2014/main" id="{3B73564D-B005-4E2A-BDA1-0D82D7357DFE}"/>
+              </a:ext>
+            </a:extLst>
+          </p:cNvPr>
+          <p:cNvPicPr>
+            <a:picLocks noChangeAspect="1"/>
+          </p:cNvPicPr>
+          <p:nvPr/>
+        </p:nvPicPr>
+        <p:blipFill>
+          <a:blip r:embed="rId5"/>
+          <a:stretch>
+            <a:fillRect/>
+          </a:stretch>
+        </p:blipFill>
+        <p:spPr>
+          <a:xfrm>
+            <a:off x="2339750" y="5493673"/>
+            <a:ext cx="1973335" cy="999437"/>
+          </a:xfrm>
+          <a:prstGeom prst="rect">
+            <a:avLst/>
+          </a:prstGeom>
+        </p:spPr>
+      </p:pic>
+    </p:spTree>
+    <p:extLst>
+      <p:ext uri="{BB962C8B-B14F-4D97-AF65-F5344CB8AC3E}">
+        <p14:creationId xmlns:p14="http://schemas.microsoft.com/office/powerpoint/2010/main" val="1149320767"/>
       </p:ext>
     </p:extLst>
   </p:cSld>
